--- a/other/tree_pictures.pptx
+++ b/other/tree_pictures.pptx
@@ -57,7 +57,7 @@
       </p:grpSpPr>
       <p:sp>
         <p:nvSpPr>
-          <p:cNvPr id="26" name="PlaceHolder 1"/>
+          <p:cNvPr id="23" name="PlaceHolder 1"/>
           <p:cNvSpPr>
             <a:spLocks noGrp="1"/>
           </p:cNvSpPr>
@@ -77,23 +77,24 @@
         <p:txBody>
           <a:bodyPr lIns="0" rIns="0" tIns="0" bIns="0" anchor="ctr"/>
           <a:p>
-            <a:endParaRPr b="0" lang="zh-CN" sz="1800" spc="-1" strike="noStrike">
-              <a:solidFill>
-                <a:srgbClr val="000000"/>
-              </a:solidFill>
-              <a:uFill>
-                <a:solidFill>
-                  <a:srgbClr val="ffffff"/>
-                </a:solidFill>
-              </a:uFill>
-              <a:latin typeface="Calibri"/>
-            </a:endParaRPr>
-          </a:p>
-        </p:txBody>
-      </p:sp>
-      <p:sp>
-        <p:nvSpPr>
-          <p:cNvPr id="27" name="PlaceHolder 2"/>
+            <a:pPr algn="ctr"/>
+            <a:endParaRPr b="0" lang="en-US" sz="4400" spc="-1" strike="noStrike">
+              <a:solidFill>
+                <a:srgbClr val="000000"/>
+              </a:solidFill>
+              <a:uFill>
+                <a:solidFill>
+                  <a:srgbClr val="ffffff"/>
+                </a:solidFill>
+              </a:uFill>
+              <a:latin typeface="Arial"/>
+            </a:endParaRPr>
+          </a:p>
+        </p:txBody>
+      </p:sp>
+      <p:sp>
+        <p:nvSpPr>
+          <p:cNvPr id="24" name="PlaceHolder 2"/>
           <p:cNvSpPr>
             <a:spLocks noGrp="1"/>
           </p:cNvSpPr>
@@ -113,23 +114,23 @@
         <p:txBody>
           <a:bodyPr lIns="0" rIns="0" tIns="0" bIns="0"/>
           <a:p>
-            <a:endParaRPr b="0" lang="zh-CN" sz="3200" spc="-1" strike="noStrike">
-              <a:solidFill>
-                <a:srgbClr val="000000"/>
-              </a:solidFill>
-              <a:uFill>
-                <a:solidFill>
-                  <a:srgbClr val="ffffff"/>
-                </a:solidFill>
-              </a:uFill>
-              <a:latin typeface="Calibri"/>
-            </a:endParaRPr>
-          </a:p>
-        </p:txBody>
-      </p:sp>
-      <p:sp>
-        <p:nvSpPr>
-          <p:cNvPr id="28" name="PlaceHolder 3"/>
+            <a:endParaRPr b="0" lang="en-US" sz="3200" spc="-1" strike="noStrike">
+              <a:solidFill>
+                <a:srgbClr val="000000"/>
+              </a:solidFill>
+              <a:uFill>
+                <a:solidFill>
+                  <a:srgbClr val="ffffff"/>
+                </a:solidFill>
+              </a:uFill>
+              <a:latin typeface="Arial"/>
+            </a:endParaRPr>
+          </a:p>
+        </p:txBody>
+      </p:sp>
+      <p:sp>
+        <p:nvSpPr>
+          <p:cNvPr id="25" name="PlaceHolder 3"/>
           <p:cNvSpPr>
             <a:spLocks noGrp="1"/>
           </p:cNvSpPr>
@@ -149,16 +150,16 @@
         <p:txBody>
           <a:bodyPr lIns="0" rIns="0" tIns="0" bIns="0"/>
           <a:p>
-            <a:endParaRPr b="0" lang="zh-CN" sz="3200" spc="-1" strike="noStrike">
-              <a:solidFill>
-                <a:srgbClr val="000000"/>
-              </a:solidFill>
-              <a:uFill>
-                <a:solidFill>
-                  <a:srgbClr val="ffffff"/>
-                </a:solidFill>
-              </a:uFill>
-              <a:latin typeface="Calibri"/>
+            <a:endParaRPr b="0" lang="en-US" sz="3200" spc="-1" strike="noStrike">
+              <a:solidFill>
+                <a:srgbClr val="000000"/>
+              </a:solidFill>
+              <a:uFill>
+                <a:solidFill>
+                  <a:srgbClr val="ffffff"/>
+                </a:solidFill>
+              </a:uFill>
+              <a:latin typeface="Arial"/>
             </a:endParaRPr>
           </a:p>
         </p:txBody>
@@ -187,7 +188,7 @@
       </p:grpSpPr>
       <p:sp>
         <p:nvSpPr>
-          <p:cNvPr id="29" name="PlaceHolder 1"/>
+          <p:cNvPr id="26" name="PlaceHolder 1"/>
           <p:cNvSpPr>
             <a:spLocks noGrp="1"/>
           </p:cNvSpPr>
@@ -207,23 +208,24 @@
         <p:txBody>
           <a:bodyPr lIns="0" rIns="0" tIns="0" bIns="0" anchor="ctr"/>
           <a:p>
-            <a:endParaRPr b="0" lang="zh-CN" sz="1800" spc="-1" strike="noStrike">
-              <a:solidFill>
-                <a:srgbClr val="000000"/>
-              </a:solidFill>
-              <a:uFill>
-                <a:solidFill>
-                  <a:srgbClr val="ffffff"/>
-                </a:solidFill>
-              </a:uFill>
-              <a:latin typeface="Calibri"/>
-            </a:endParaRPr>
-          </a:p>
-        </p:txBody>
-      </p:sp>
-      <p:sp>
-        <p:nvSpPr>
-          <p:cNvPr id="30" name="PlaceHolder 2"/>
+            <a:pPr algn="ctr"/>
+            <a:endParaRPr b="0" lang="en-US" sz="4400" spc="-1" strike="noStrike">
+              <a:solidFill>
+                <a:srgbClr val="000000"/>
+              </a:solidFill>
+              <a:uFill>
+                <a:solidFill>
+                  <a:srgbClr val="ffffff"/>
+                </a:solidFill>
+              </a:uFill>
+              <a:latin typeface="Arial"/>
+            </a:endParaRPr>
+          </a:p>
+        </p:txBody>
+      </p:sp>
+      <p:sp>
+        <p:nvSpPr>
+          <p:cNvPr id="27" name="PlaceHolder 2"/>
           <p:cNvSpPr>
             <a:spLocks noGrp="1"/>
           </p:cNvSpPr>
@@ -243,23 +245,23 @@
         <p:txBody>
           <a:bodyPr lIns="0" rIns="0" tIns="0" bIns="0"/>
           <a:p>
-            <a:endParaRPr b="0" lang="zh-CN" sz="3200" spc="-1" strike="noStrike">
-              <a:solidFill>
-                <a:srgbClr val="000000"/>
-              </a:solidFill>
-              <a:uFill>
-                <a:solidFill>
-                  <a:srgbClr val="ffffff"/>
-                </a:solidFill>
-              </a:uFill>
-              <a:latin typeface="Calibri"/>
-            </a:endParaRPr>
-          </a:p>
-        </p:txBody>
-      </p:sp>
-      <p:sp>
-        <p:nvSpPr>
-          <p:cNvPr id="31" name="PlaceHolder 3"/>
+            <a:endParaRPr b="0" lang="en-US" sz="3200" spc="-1" strike="noStrike">
+              <a:solidFill>
+                <a:srgbClr val="000000"/>
+              </a:solidFill>
+              <a:uFill>
+                <a:solidFill>
+                  <a:srgbClr val="ffffff"/>
+                </a:solidFill>
+              </a:uFill>
+              <a:latin typeface="Arial"/>
+            </a:endParaRPr>
+          </a:p>
+        </p:txBody>
+      </p:sp>
+      <p:sp>
+        <p:nvSpPr>
+          <p:cNvPr id="28" name="PlaceHolder 3"/>
           <p:cNvSpPr>
             <a:spLocks noGrp="1"/>
           </p:cNvSpPr>
@@ -279,23 +281,23 @@
         <p:txBody>
           <a:bodyPr lIns="0" rIns="0" tIns="0" bIns="0"/>
           <a:p>
-            <a:endParaRPr b="0" lang="zh-CN" sz="3200" spc="-1" strike="noStrike">
-              <a:solidFill>
-                <a:srgbClr val="000000"/>
-              </a:solidFill>
-              <a:uFill>
-                <a:solidFill>
-                  <a:srgbClr val="ffffff"/>
-                </a:solidFill>
-              </a:uFill>
-              <a:latin typeface="Calibri"/>
-            </a:endParaRPr>
-          </a:p>
-        </p:txBody>
-      </p:sp>
-      <p:sp>
-        <p:nvSpPr>
-          <p:cNvPr id="32" name="PlaceHolder 4"/>
+            <a:endParaRPr b="0" lang="en-US" sz="3200" spc="-1" strike="noStrike">
+              <a:solidFill>
+                <a:srgbClr val="000000"/>
+              </a:solidFill>
+              <a:uFill>
+                <a:solidFill>
+                  <a:srgbClr val="ffffff"/>
+                </a:solidFill>
+              </a:uFill>
+              <a:latin typeface="Arial"/>
+            </a:endParaRPr>
+          </a:p>
+        </p:txBody>
+      </p:sp>
+      <p:sp>
+        <p:nvSpPr>
+          <p:cNvPr id="29" name="PlaceHolder 4"/>
           <p:cNvSpPr>
             <a:spLocks noGrp="1"/>
           </p:cNvSpPr>
@@ -315,23 +317,23 @@
         <p:txBody>
           <a:bodyPr lIns="0" rIns="0" tIns="0" bIns="0"/>
           <a:p>
-            <a:endParaRPr b="0" lang="zh-CN" sz="3200" spc="-1" strike="noStrike">
-              <a:solidFill>
-                <a:srgbClr val="000000"/>
-              </a:solidFill>
-              <a:uFill>
-                <a:solidFill>
-                  <a:srgbClr val="ffffff"/>
-                </a:solidFill>
-              </a:uFill>
-              <a:latin typeface="Calibri"/>
-            </a:endParaRPr>
-          </a:p>
-        </p:txBody>
-      </p:sp>
-      <p:sp>
-        <p:nvSpPr>
-          <p:cNvPr id="33" name="PlaceHolder 5"/>
+            <a:endParaRPr b="0" lang="en-US" sz="3200" spc="-1" strike="noStrike">
+              <a:solidFill>
+                <a:srgbClr val="000000"/>
+              </a:solidFill>
+              <a:uFill>
+                <a:solidFill>
+                  <a:srgbClr val="ffffff"/>
+                </a:solidFill>
+              </a:uFill>
+              <a:latin typeface="Arial"/>
+            </a:endParaRPr>
+          </a:p>
+        </p:txBody>
+      </p:sp>
+      <p:sp>
+        <p:nvSpPr>
+          <p:cNvPr id="30" name="PlaceHolder 5"/>
           <p:cNvSpPr>
             <a:spLocks noGrp="1"/>
           </p:cNvSpPr>
@@ -351,16 +353,16 @@
         <p:txBody>
           <a:bodyPr lIns="0" rIns="0" tIns="0" bIns="0"/>
           <a:p>
-            <a:endParaRPr b="0" lang="zh-CN" sz="3200" spc="-1" strike="noStrike">
-              <a:solidFill>
-                <a:srgbClr val="000000"/>
-              </a:solidFill>
-              <a:uFill>
-                <a:solidFill>
-                  <a:srgbClr val="ffffff"/>
-                </a:solidFill>
-              </a:uFill>
-              <a:latin typeface="Calibri"/>
+            <a:endParaRPr b="0" lang="en-US" sz="3200" spc="-1" strike="noStrike">
+              <a:solidFill>
+                <a:srgbClr val="000000"/>
+              </a:solidFill>
+              <a:uFill>
+                <a:solidFill>
+                  <a:srgbClr val="ffffff"/>
+                </a:solidFill>
+              </a:uFill>
+              <a:latin typeface="Arial"/>
             </a:endParaRPr>
           </a:p>
         </p:txBody>
@@ -389,7 +391,7 @@
       </p:grpSpPr>
       <p:sp>
         <p:nvSpPr>
-          <p:cNvPr id="34" name="PlaceHolder 1"/>
+          <p:cNvPr id="31" name="PlaceHolder 1"/>
           <p:cNvSpPr>
             <a:spLocks noGrp="1"/>
           </p:cNvSpPr>
@@ -409,23 +411,24 @@
         <p:txBody>
           <a:bodyPr lIns="0" rIns="0" tIns="0" bIns="0" anchor="ctr"/>
           <a:p>
-            <a:endParaRPr b="0" lang="zh-CN" sz="1800" spc="-1" strike="noStrike">
-              <a:solidFill>
-                <a:srgbClr val="000000"/>
-              </a:solidFill>
-              <a:uFill>
-                <a:solidFill>
-                  <a:srgbClr val="ffffff"/>
-                </a:solidFill>
-              </a:uFill>
-              <a:latin typeface="Calibri"/>
-            </a:endParaRPr>
-          </a:p>
-        </p:txBody>
-      </p:sp>
-      <p:sp>
-        <p:nvSpPr>
-          <p:cNvPr id="35" name="PlaceHolder 2"/>
+            <a:pPr algn="ctr"/>
+            <a:endParaRPr b="0" lang="en-US" sz="4400" spc="-1" strike="noStrike">
+              <a:solidFill>
+                <a:srgbClr val="000000"/>
+              </a:solidFill>
+              <a:uFill>
+                <a:solidFill>
+                  <a:srgbClr val="ffffff"/>
+                </a:solidFill>
+              </a:uFill>
+              <a:latin typeface="Arial"/>
+            </a:endParaRPr>
+          </a:p>
+        </p:txBody>
+      </p:sp>
+      <p:sp>
+        <p:nvSpPr>
+          <p:cNvPr id="32" name="PlaceHolder 2"/>
           <p:cNvSpPr>
             <a:spLocks noGrp="1"/>
           </p:cNvSpPr>
@@ -445,23 +448,23 @@
         <p:txBody>
           <a:bodyPr lIns="0" rIns="0" tIns="0" bIns="0"/>
           <a:p>
-            <a:endParaRPr b="0" lang="zh-CN" sz="3200" spc="-1" strike="noStrike">
-              <a:solidFill>
-                <a:srgbClr val="000000"/>
-              </a:solidFill>
-              <a:uFill>
-                <a:solidFill>
-                  <a:srgbClr val="ffffff"/>
-                </a:solidFill>
-              </a:uFill>
-              <a:latin typeface="Calibri"/>
-            </a:endParaRPr>
-          </a:p>
-        </p:txBody>
-      </p:sp>
-      <p:sp>
-        <p:nvSpPr>
-          <p:cNvPr id="36" name="PlaceHolder 3"/>
+            <a:endParaRPr b="0" lang="en-US" sz="3200" spc="-1" strike="noStrike">
+              <a:solidFill>
+                <a:srgbClr val="000000"/>
+              </a:solidFill>
+              <a:uFill>
+                <a:solidFill>
+                  <a:srgbClr val="ffffff"/>
+                </a:solidFill>
+              </a:uFill>
+              <a:latin typeface="Arial"/>
+            </a:endParaRPr>
+          </a:p>
+        </p:txBody>
+      </p:sp>
+      <p:sp>
+        <p:nvSpPr>
+          <p:cNvPr id="33" name="PlaceHolder 3"/>
           <p:cNvSpPr>
             <a:spLocks noGrp="1"/>
           </p:cNvSpPr>
@@ -481,23 +484,23 @@
         <p:txBody>
           <a:bodyPr lIns="0" rIns="0" tIns="0" bIns="0"/>
           <a:p>
-            <a:endParaRPr b="0" lang="zh-CN" sz="3200" spc="-1" strike="noStrike">
-              <a:solidFill>
-                <a:srgbClr val="000000"/>
-              </a:solidFill>
-              <a:uFill>
-                <a:solidFill>
-                  <a:srgbClr val="ffffff"/>
-                </a:solidFill>
-              </a:uFill>
-              <a:latin typeface="Calibri"/>
+            <a:endParaRPr b="0" lang="en-US" sz="3200" spc="-1" strike="noStrike">
+              <a:solidFill>
+                <a:srgbClr val="000000"/>
+              </a:solidFill>
+              <a:uFill>
+                <a:solidFill>
+                  <a:srgbClr val="ffffff"/>
+                </a:solidFill>
+              </a:uFill>
+              <a:latin typeface="Arial"/>
             </a:endParaRPr>
           </a:p>
         </p:txBody>
       </p:sp>
       <p:pic>
         <p:nvPicPr>
-          <p:cNvPr id="37" name="" descr=""/>
+          <p:cNvPr id="34" name="" descr=""/>
           <p:cNvPicPr/>
           <p:nvPr/>
         </p:nvPicPr>
@@ -520,7 +523,7 @@
       </p:pic>
       <p:pic>
         <p:nvPicPr>
-          <p:cNvPr id="38" name="" descr=""/>
+          <p:cNvPr id="35" name="" descr=""/>
           <p:cNvPicPr/>
           <p:nvPr/>
         </p:nvPicPr>
@@ -587,7 +590,7 @@
       </p:grpSpPr>
       <p:sp>
         <p:nvSpPr>
-          <p:cNvPr id="44" name="PlaceHolder 1"/>
+          <p:cNvPr id="38" name="PlaceHolder 1"/>
           <p:cNvSpPr>
             <a:spLocks noGrp="1"/>
           </p:cNvSpPr>
@@ -607,23 +610,24 @@
         <p:txBody>
           <a:bodyPr lIns="0" rIns="0" tIns="0" bIns="0" anchor="ctr"/>
           <a:p>
-            <a:endParaRPr b="0" lang="zh-CN" sz="1800" spc="-1" strike="noStrike">
-              <a:solidFill>
-                <a:srgbClr val="000000"/>
-              </a:solidFill>
-              <a:uFill>
-                <a:solidFill>
-                  <a:srgbClr val="ffffff"/>
-                </a:solidFill>
-              </a:uFill>
-              <a:latin typeface="Calibri"/>
-            </a:endParaRPr>
-          </a:p>
-        </p:txBody>
-      </p:sp>
-      <p:sp>
-        <p:nvSpPr>
-          <p:cNvPr id="45" name="PlaceHolder 2"/>
+            <a:pPr algn="ctr"/>
+            <a:endParaRPr b="0" lang="en-US" sz="4400" spc="-1" strike="noStrike">
+              <a:solidFill>
+                <a:srgbClr val="000000"/>
+              </a:solidFill>
+              <a:uFill>
+                <a:solidFill>
+                  <a:srgbClr val="ffffff"/>
+                </a:solidFill>
+              </a:uFill>
+              <a:latin typeface="Arial"/>
+            </a:endParaRPr>
+          </a:p>
+        </p:txBody>
+      </p:sp>
+      <p:sp>
+        <p:nvSpPr>
+          <p:cNvPr id="39" name="PlaceHolder 2"/>
           <p:cNvSpPr>
             <a:spLocks noGrp="1"/>
           </p:cNvSpPr>
@@ -682,7 +686,7 @@
       </p:grpSpPr>
       <p:sp>
         <p:nvSpPr>
-          <p:cNvPr id="46" name="PlaceHolder 1"/>
+          <p:cNvPr id="40" name="PlaceHolder 1"/>
           <p:cNvSpPr>
             <a:spLocks noGrp="1"/>
           </p:cNvSpPr>
@@ -702,23 +706,24 @@
         <p:txBody>
           <a:bodyPr lIns="0" rIns="0" tIns="0" bIns="0" anchor="ctr"/>
           <a:p>
-            <a:endParaRPr b="0" lang="zh-CN" sz="1800" spc="-1" strike="noStrike">
-              <a:solidFill>
-                <a:srgbClr val="000000"/>
-              </a:solidFill>
-              <a:uFill>
-                <a:solidFill>
-                  <a:srgbClr val="ffffff"/>
-                </a:solidFill>
-              </a:uFill>
-              <a:latin typeface="Calibri"/>
-            </a:endParaRPr>
-          </a:p>
-        </p:txBody>
-      </p:sp>
-      <p:sp>
-        <p:nvSpPr>
-          <p:cNvPr id="47" name="PlaceHolder 2"/>
+            <a:pPr algn="ctr"/>
+            <a:endParaRPr b="0" lang="en-US" sz="4400" spc="-1" strike="noStrike">
+              <a:solidFill>
+                <a:srgbClr val="000000"/>
+              </a:solidFill>
+              <a:uFill>
+                <a:solidFill>
+                  <a:srgbClr val="ffffff"/>
+                </a:solidFill>
+              </a:uFill>
+              <a:latin typeface="Arial"/>
+            </a:endParaRPr>
+          </a:p>
+        </p:txBody>
+      </p:sp>
+      <p:sp>
+        <p:nvSpPr>
+          <p:cNvPr id="41" name="PlaceHolder 2"/>
           <p:cNvSpPr>
             <a:spLocks noGrp="1"/>
           </p:cNvSpPr>
@@ -738,16 +743,16 @@
         <p:txBody>
           <a:bodyPr lIns="0" rIns="0" tIns="0" bIns="0"/>
           <a:p>
-            <a:endParaRPr b="0" lang="zh-CN" sz="3200" spc="-1" strike="noStrike">
-              <a:solidFill>
-                <a:srgbClr val="000000"/>
-              </a:solidFill>
-              <a:uFill>
-                <a:solidFill>
-                  <a:srgbClr val="ffffff"/>
-                </a:solidFill>
-              </a:uFill>
-              <a:latin typeface="Calibri"/>
+            <a:endParaRPr b="0" lang="en-US" sz="3200" spc="-1" strike="noStrike">
+              <a:solidFill>
+                <a:srgbClr val="000000"/>
+              </a:solidFill>
+              <a:uFill>
+                <a:solidFill>
+                  <a:srgbClr val="ffffff"/>
+                </a:solidFill>
+              </a:uFill>
+              <a:latin typeface="Arial"/>
             </a:endParaRPr>
           </a:p>
         </p:txBody>
@@ -776,7 +781,7 @@
       </p:grpSpPr>
       <p:sp>
         <p:nvSpPr>
-          <p:cNvPr id="48" name="PlaceHolder 1"/>
+          <p:cNvPr id="42" name="PlaceHolder 1"/>
           <p:cNvSpPr>
             <a:spLocks noGrp="1"/>
           </p:cNvSpPr>
@@ -796,23 +801,24 @@
         <p:txBody>
           <a:bodyPr lIns="0" rIns="0" tIns="0" bIns="0" anchor="ctr"/>
           <a:p>
-            <a:endParaRPr b="0" lang="zh-CN" sz="1800" spc="-1" strike="noStrike">
-              <a:solidFill>
-                <a:srgbClr val="000000"/>
-              </a:solidFill>
-              <a:uFill>
-                <a:solidFill>
-                  <a:srgbClr val="ffffff"/>
-                </a:solidFill>
-              </a:uFill>
-              <a:latin typeface="Calibri"/>
-            </a:endParaRPr>
-          </a:p>
-        </p:txBody>
-      </p:sp>
-      <p:sp>
-        <p:nvSpPr>
-          <p:cNvPr id="49" name="PlaceHolder 2"/>
+            <a:pPr algn="ctr"/>
+            <a:endParaRPr b="0" lang="en-US" sz="4400" spc="-1" strike="noStrike">
+              <a:solidFill>
+                <a:srgbClr val="000000"/>
+              </a:solidFill>
+              <a:uFill>
+                <a:solidFill>
+                  <a:srgbClr val="ffffff"/>
+                </a:solidFill>
+              </a:uFill>
+              <a:latin typeface="Arial"/>
+            </a:endParaRPr>
+          </a:p>
+        </p:txBody>
+      </p:sp>
+      <p:sp>
+        <p:nvSpPr>
+          <p:cNvPr id="43" name="PlaceHolder 2"/>
           <p:cNvSpPr>
             <a:spLocks noGrp="1"/>
           </p:cNvSpPr>
@@ -832,23 +838,23 @@
         <p:txBody>
           <a:bodyPr lIns="0" rIns="0" tIns="0" bIns="0"/>
           <a:p>
-            <a:endParaRPr b="0" lang="zh-CN" sz="3200" spc="-1" strike="noStrike">
-              <a:solidFill>
-                <a:srgbClr val="000000"/>
-              </a:solidFill>
-              <a:uFill>
-                <a:solidFill>
-                  <a:srgbClr val="ffffff"/>
-                </a:solidFill>
-              </a:uFill>
-              <a:latin typeface="Calibri"/>
-            </a:endParaRPr>
-          </a:p>
-        </p:txBody>
-      </p:sp>
-      <p:sp>
-        <p:nvSpPr>
-          <p:cNvPr id="50" name="PlaceHolder 3"/>
+            <a:endParaRPr b="0" lang="en-US" sz="3200" spc="-1" strike="noStrike">
+              <a:solidFill>
+                <a:srgbClr val="000000"/>
+              </a:solidFill>
+              <a:uFill>
+                <a:solidFill>
+                  <a:srgbClr val="ffffff"/>
+                </a:solidFill>
+              </a:uFill>
+              <a:latin typeface="Arial"/>
+            </a:endParaRPr>
+          </a:p>
+        </p:txBody>
+      </p:sp>
+      <p:sp>
+        <p:nvSpPr>
+          <p:cNvPr id="44" name="PlaceHolder 3"/>
           <p:cNvSpPr>
             <a:spLocks noGrp="1"/>
           </p:cNvSpPr>
@@ -868,16 +874,16 @@
         <p:txBody>
           <a:bodyPr lIns="0" rIns="0" tIns="0" bIns="0"/>
           <a:p>
-            <a:endParaRPr b="0" lang="zh-CN" sz="3200" spc="-1" strike="noStrike">
-              <a:solidFill>
-                <a:srgbClr val="000000"/>
-              </a:solidFill>
-              <a:uFill>
-                <a:solidFill>
-                  <a:srgbClr val="ffffff"/>
-                </a:solidFill>
-              </a:uFill>
-              <a:latin typeface="Calibri"/>
+            <a:endParaRPr b="0" lang="en-US" sz="3200" spc="-1" strike="noStrike">
+              <a:solidFill>
+                <a:srgbClr val="000000"/>
+              </a:solidFill>
+              <a:uFill>
+                <a:solidFill>
+                  <a:srgbClr val="ffffff"/>
+                </a:solidFill>
+              </a:uFill>
+              <a:latin typeface="Arial"/>
             </a:endParaRPr>
           </a:p>
         </p:txBody>
@@ -906,7 +912,7 @@
       </p:grpSpPr>
       <p:sp>
         <p:nvSpPr>
-          <p:cNvPr id="51" name="PlaceHolder 1"/>
+          <p:cNvPr id="45" name="PlaceHolder 1"/>
           <p:cNvSpPr>
             <a:spLocks noGrp="1"/>
           </p:cNvSpPr>
@@ -926,16 +932,17 @@
         <p:txBody>
           <a:bodyPr lIns="0" rIns="0" tIns="0" bIns="0" anchor="ctr"/>
           <a:p>
-            <a:endParaRPr b="0" lang="zh-CN" sz="1800" spc="-1" strike="noStrike">
-              <a:solidFill>
-                <a:srgbClr val="000000"/>
-              </a:solidFill>
-              <a:uFill>
-                <a:solidFill>
-                  <a:srgbClr val="ffffff"/>
-                </a:solidFill>
-              </a:uFill>
-              <a:latin typeface="Calibri"/>
+            <a:pPr algn="ctr"/>
+            <a:endParaRPr b="0" lang="en-US" sz="4400" spc="-1" strike="noStrike">
+              <a:solidFill>
+                <a:srgbClr val="000000"/>
+              </a:solidFill>
+              <a:uFill>
+                <a:solidFill>
+                  <a:srgbClr val="ffffff"/>
+                </a:solidFill>
+              </a:uFill>
+              <a:latin typeface="Arial"/>
             </a:endParaRPr>
           </a:p>
         </p:txBody>
@@ -964,7 +971,7 @@
       </p:grpSpPr>
       <p:sp>
         <p:nvSpPr>
-          <p:cNvPr id="52" name="PlaceHolder 1"/>
+          <p:cNvPr id="46" name="PlaceHolder 1"/>
           <p:cNvSpPr>
             <a:spLocks noGrp="1"/>
           </p:cNvSpPr>
@@ -1023,7 +1030,7 @@
       </p:grpSpPr>
       <p:sp>
         <p:nvSpPr>
-          <p:cNvPr id="53" name="PlaceHolder 1"/>
+          <p:cNvPr id="47" name="PlaceHolder 1"/>
           <p:cNvSpPr>
             <a:spLocks noGrp="1"/>
           </p:cNvSpPr>
@@ -1043,23 +1050,24 @@
         <p:txBody>
           <a:bodyPr lIns="0" rIns="0" tIns="0" bIns="0" anchor="ctr"/>
           <a:p>
-            <a:endParaRPr b="0" lang="zh-CN" sz="1800" spc="-1" strike="noStrike">
-              <a:solidFill>
-                <a:srgbClr val="000000"/>
-              </a:solidFill>
-              <a:uFill>
-                <a:solidFill>
-                  <a:srgbClr val="ffffff"/>
-                </a:solidFill>
-              </a:uFill>
-              <a:latin typeface="Calibri"/>
-            </a:endParaRPr>
-          </a:p>
-        </p:txBody>
-      </p:sp>
-      <p:sp>
-        <p:nvSpPr>
-          <p:cNvPr id="54" name="PlaceHolder 2"/>
+            <a:pPr algn="ctr"/>
+            <a:endParaRPr b="0" lang="en-US" sz="4400" spc="-1" strike="noStrike">
+              <a:solidFill>
+                <a:srgbClr val="000000"/>
+              </a:solidFill>
+              <a:uFill>
+                <a:solidFill>
+                  <a:srgbClr val="ffffff"/>
+                </a:solidFill>
+              </a:uFill>
+              <a:latin typeface="Arial"/>
+            </a:endParaRPr>
+          </a:p>
+        </p:txBody>
+      </p:sp>
+      <p:sp>
+        <p:nvSpPr>
+          <p:cNvPr id="48" name="PlaceHolder 2"/>
           <p:cNvSpPr>
             <a:spLocks noGrp="1"/>
           </p:cNvSpPr>
@@ -1079,23 +1087,23 @@
         <p:txBody>
           <a:bodyPr lIns="0" rIns="0" tIns="0" bIns="0"/>
           <a:p>
-            <a:endParaRPr b="0" lang="zh-CN" sz="3200" spc="-1" strike="noStrike">
-              <a:solidFill>
-                <a:srgbClr val="000000"/>
-              </a:solidFill>
-              <a:uFill>
-                <a:solidFill>
-                  <a:srgbClr val="ffffff"/>
-                </a:solidFill>
-              </a:uFill>
-              <a:latin typeface="Calibri"/>
-            </a:endParaRPr>
-          </a:p>
-        </p:txBody>
-      </p:sp>
-      <p:sp>
-        <p:nvSpPr>
-          <p:cNvPr id="55" name="PlaceHolder 3"/>
+            <a:endParaRPr b="0" lang="en-US" sz="3200" spc="-1" strike="noStrike">
+              <a:solidFill>
+                <a:srgbClr val="000000"/>
+              </a:solidFill>
+              <a:uFill>
+                <a:solidFill>
+                  <a:srgbClr val="ffffff"/>
+                </a:solidFill>
+              </a:uFill>
+              <a:latin typeface="Arial"/>
+            </a:endParaRPr>
+          </a:p>
+        </p:txBody>
+      </p:sp>
+      <p:sp>
+        <p:nvSpPr>
+          <p:cNvPr id="49" name="PlaceHolder 3"/>
           <p:cNvSpPr>
             <a:spLocks noGrp="1"/>
           </p:cNvSpPr>
@@ -1115,23 +1123,23 @@
         <p:txBody>
           <a:bodyPr lIns="0" rIns="0" tIns="0" bIns="0"/>
           <a:p>
-            <a:endParaRPr b="0" lang="zh-CN" sz="3200" spc="-1" strike="noStrike">
-              <a:solidFill>
-                <a:srgbClr val="000000"/>
-              </a:solidFill>
-              <a:uFill>
-                <a:solidFill>
-                  <a:srgbClr val="ffffff"/>
-                </a:solidFill>
-              </a:uFill>
-              <a:latin typeface="Calibri"/>
-            </a:endParaRPr>
-          </a:p>
-        </p:txBody>
-      </p:sp>
-      <p:sp>
-        <p:nvSpPr>
-          <p:cNvPr id="56" name="PlaceHolder 4"/>
+            <a:endParaRPr b="0" lang="en-US" sz="3200" spc="-1" strike="noStrike">
+              <a:solidFill>
+                <a:srgbClr val="000000"/>
+              </a:solidFill>
+              <a:uFill>
+                <a:solidFill>
+                  <a:srgbClr val="ffffff"/>
+                </a:solidFill>
+              </a:uFill>
+              <a:latin typeface="Arial"/>
+            </a:endParaRPr>
+          </a:p>
+        </p:txBody>
+      </p:sp>
+      <p:sp>
+        <p:nvSpPr>
+          <p:cNvPr id="50" name="PlaceHolder 4"/>
           <p:cNvSpPr>
             <a:spLocks noGrp="1"/>
           </p:cNvSpPr>
@@ -1151,16 +1159,16 @@
         <p:txBody>
           <a:bodyPr lIns="0" rIns="0" tIns="0" bIns="0"/>
           <a:p>
-            <a:endParaRPr b="0" lang="zh-CN" sz="3200" spc="-1" strike="noStrike">
-              <a:solidFill>
-                <a:srgbClr val="000000"/>
-              </a:solidFill>
-              <a:uFill>
-                <a:solidFill>
-                  <a:srgbClr val="ffffff"/>
-                </a:solidFill>
-              </a:uFill>
-              <a:latin typeface="Calibri"/>
+            <a:endParaRPr b="0" lang="en-US" sz="3200" spc="-1" strike="noStrike">
+              <a:solidFill>
+                <a:srgbClr val="000000"/>
+              </a:solidFill>
+              <a:uFill>
+                <a:solidFill>
+                  <a:srgbClr val="ffffff"/>
+                </a:solidFill>
+              </a:uFill>
+              <a:latin typeface="Arial"/>
             </a:endParaRPr>
           </a:p>
         </p:txBody>
@@ -1189,7 +1197,7 @@
       </p:grpSpPr>
       <p:sp>
         <p:nvSpPr>
-          <p:cNvPr id="5" name="PlaceHolder 1"/>
+          <p:cNvPr id="2" name="PlaceHolder 1"/>
           <p:cNvSpPr>
             <a:spLocks noGrp="1"/>
           </p:cNvSpPr>
@@ -1209,23 +1217,24 @@
         <p:txBody>
           <a:bodyPr lIns="0" rIns="0" tIns="0" bIns="0" anchor="ctr"/>
           <a:p>
-            <a:endParaRPr b="0" lang="zh-CN" sz="1800" spc="-1" strike="noStrike">
-              <a:solidFill>
-                <a:srgbClr val="000000"/>
-              </a:solidFill>
-              <a:uFill>
-                <a:solidFill>
-                  <a:srgbClr val="ffffff"/>
-                </a:solidFill>
-              </a:uFill>
-              <a:latin typeface="Calibri"/>
-            </a:endParaRPr>
-          </a:p>
-        </p:txBody>
-      </p:sp>
-      <p:sp>
-        <p:nvSpPr>
-          <p:cNvPr id="6" name="PlaceHolder 2"/>
+            <a:pPr algn="ctr"/>
+            <a:endParaRPr b="0" lang="en-US" sz="4400" spc="-1" strike="noStrike">
+              <a:solidFill>
+                <a:srgbClr val="000000"/>
+              </a:solidFill>
+              <a:uFill>
+                <a:solidFill>
+                  <a:srgbClr val="ffffff"/>
+                </a:solidFill>
+              </a:uFill>
+              <a:latin typeface="Arial"/>
+            </a:endParaRPr>
+          </a:p>
+        </p:txBody>
+      </p:sp>
+      <p:sp>
+        <p:nvSpPr>
+          <p:cNvPr id="3" name="PlaceHolder 2"/>
           <p:cNvSpPr>
             <a:spLocks noGrp="1"/>
           </p:cNvSpPr>
@@ -1284,7 +1293,7 @@
       </p:grpSpPr>
       <p:sp>
         <p:nvSpPr>
-          <p:cNvPr id="57" name="PlaceHolder 1"/>
+          <p:cNvPr id="51" name="PlaceHolder 1"/>
           <p:cNvSpPr>
             <a:spLocks noGrp="1"/>
           </p:cNvSpPr>
@@ -1304,23 +1313,24 @@
         <p:txBody>
           <a:bodyPr lIns="0" rIns="0" tIns="0" bIns="0" anchor="ctr"/>
           <a:p>
-            <a:endParaRPr b="0" lang="zh-CN" sz="1800" spc="-1" strike="noStrike">
-              <a:solidFill>
-                <a:srgbClr val="000000"/>
-              </a:solidFill>
-              <a:uFill>
-                <a:solidFill>
-                  <a:srgbClr val="ffffff"/>
-                </a:solidFill>
-              </a:uFill>
-              <a:latin typeface="Calibri"/>
-            </a:endParaRPr>
-          </a:p>
-        </p:txBody>
-      </p:sp>
-      <p:sp>
-        <p:nvSpPr>
-          <p:cNvPr id="58" name="PlaceHolder 2"/>
+            <a:pPr algn="ctr"/>
+            <a:endParaRPr b="0" lang="en-US" sz="4400" spc="-1" strike="noStrike">
+              <a:solidFill>
+                <a:srgbClr val="000000"/>
+              </a:solidFill>
+              <a:uFill>
+                <a:solidFill>
+                  <a:srgbClr val="ffffff"/>
+                </a:solidFill>
+              </a:uFill>
+              <a:latin typeface="Arial"/>
+            </a:endParaRPr>
+          </a:p>
+        </p:txBody>
+      </p:sp>
+      <p:sp>
+        <p:nvSpPr>
+          <p:cNvPr id="52" name="PlaceHolder 2"/>
           <p:cNvSpPr>
             <a:spLocks noGrp="1"/>
           </p:cNvSpPr>
@@ -1340,23 +1350,23 @@
         <p:txBody>
           <a:bodyPr lIns="0" rIns="0" tIns="0" bIns="0"/>
           <a:p>
-            <a:endParaRPr b="0" lang="zh-CN" sz="3200" spc="-1" strike="noStrike">
-              <a:solidFill>
-                <a:srgbClr val="000000"/>
-              </a:solidFill>
-              <a:uFill>
-                <a:solidFill>
-                  <a:srgbClr val="ffffff"/>
-                </a:solidFill>
-              </a:uFill>
-              <a:latin typeface="Calibri"/>
-            </a:endParaRPr>
-          </a:p>
-        </p:txBody>
-      </p:sp>
-      <p:sp>
-        <p:nvSpPr>
-          <p:cNvPr id="59" name="PlaceHolder 3"/>
+            <a:endParaRPr b="0" lang="en-US" sz="3200" spc="-1" strike="noStrike">
+              <a:solidFill>
+                <a:srgbClr val="000000"/>
+              </a:solidFill>
+              <a:uFill>
+                <a:solidFill>
+                  <a:srgbClr val="ffffff"/>
+                </a:solidFill>
+              </a:uFill>
+              <a:latin typeface="Arial"/>
+            </a:endParaRPr>
+          </a:p>
+        </p:txBody>
+      </p:sp>
+      <p:sp>
+        <p:nvSpPr>
+          <p:cNvPr id="53" name="PlaceHolder 3"/>
           <p:cNvSpPr>
             <a:spLocks noGrp="1"/>
           </p:cNvSpPr>
@@ -1376,23 +1386,23 @@
         <p:txBody>
           <a:bodyPr lIns="0" rIns="0" tIns="0" bIns="0"/>
           <a:p>
-            <a:endParaRPr b="0" lang="zh-CN" sz="3200" spc="-1" strike="noStrike">
-              <a:solidFill>
-                <a:srgbClr val="000000"/>
-              </a:solidFill>
-              <a:uFill>
-                <a:solidFill>
-                  <a:srgbClr val="ffffff"/>
-                </a:solidFill>
-              </a:uFill>
-              <a:latin typeface="Calibri"/>
-            </a:endParaRPr>
-          </a:p>
-        </p:txBody>
-      </p:sp>
-      <p:sp>
-        <p:nvSpPr>
-          <p:cNvPr id="60" name="PlaceHolder 4"/>
+            <a:endParaRPr b="0" lang="en-US" sz="3200" spc="-1" strike="noStrike">
+              <a:solidFill>
+                <a:srgbClr val="000000"/>
+              </a:solidFill>
+              <a:uFill>
+                <a:solidFill>
+                  <a:srgbClr val="ffffff"/>
+                </a:solidFill>
+              </a:uFill>
+              <a:latin typeface="Arial"/>
+            </a:endParaRPr>
+          </a:p>
+        </p:txBody>
+      </p:sp>
+      <p:sp>
+        <p:nvSpPr>
+          <p:cNvPr id="54" name="PlaceHolder 4"/>
           <p:cNvSpPr>
             <a:spLocks noGrp="1"/>
           </p:cNvSpPr>
@@ -1412,16 +1422,16 @@
         <p:txBody>
           <a:bodyPr lIns="0" rIns="0" tIns="0" bIns="0"/>
           <a:p>
-            <a:endParaRPr b="0" lang="zh-CN" sz="3200" spc="-1" strike="noStrike">
-              <a:solidFill>
-                <a:srgbClr val="000000"/>
-              </a:solidFill>
-              <a:uFill>
-                <a:solidFill>
-                  <a:srgbClr val="ffffff"/>
-                </a:solidFill>
-              </a:uFill>
-              <a:latin typeface="Calibri"/>
+            <a:endParaRPr b="0" lang="en-US" sz="3200" spc="-1" strike="noStrike">
+              <a:solidFill>
+                <a:srgbClr val="000000"/>
+              </a:solidFill>
+              <a:uFill>
+                <a:solidFill>
+                  <a:srgbClr val="ffffff"/>
+                </a:solidFill>
+              </a:uFill>
+              <a:latin typeface="Arial"/>
             </a:endParaRPr>
           </a:p>
         </p:txBody>
@@ -1450,7 +1460,7 @@
       </p:grpSpPr>
       <p:sp>
         <p:nvSpPr>
-          <p:cNvPr id="61" name="PlaceHolder 1"/>
+          <p:cNvPr id="55" name="PlaceHolder 1"/>
           <p:cNvSpPr>
             <a:spLocks noGrp="1"/>
           </p:cNvSpPr>
@@ -1470,23 +1480,24 @@
         <p:txBody>
           <a:bodyPr lIns="0" rIns="0" tIns="0" bIns="0" anchor="ctr"/>
           <a:p>
-            <a:endParaRPr b="0" lang="zh-CN" sz="1800" spc="-1" strike="noStrike">
-              <a:solidFill>
-                <a:srgbClr val="000000"/>
-              </a:solidFill>
-              <a:uFill>
-                <a:solidFill>
-                  <a:srgbClr val="ffffff"/>
-                </a:solidFill>
-              </a:uFill>
-              <a:latin typeface="Calibri"/>
-            </a:endParaRPr>
-          </a:p>
-        </p:txBody>
-      </p:sp>
-      <p:sp>
-        <p:nvSpPr>
-          <p:cNvPr id="62" name="PlaceHolder 2"/>
+            <a:pPr algn="ctr"/>
+            <a:endParaRPr b="0" lang="en-US" sz="4400" spc="-1" strike="noStrike">
+              <a:solidFill>
+                <a:srgbClr val="000000"/>
+              </a:solidFill>
+              <a:uFill>
+                <a:solidFill>
+                  <a:srgbClr val="ffffff"/>
+                </a:solidFill>
+              </a:uFill>
+              <a:latin typeface="Arial"/>
+            </a:endParaRPr>
+          </a:p>
+        </p:txBody>
+      </p:sp>
+      <p:sp>
+        <p:nvSpPr>
+          <p:cNvPr id="56" name="PlaceHolder 2"/>
           <p:cNvSpPr>
             <a:spLocks noGrp="1"/>
           </p:cNvSpPr>
@@ -1506,23 +1517,23 @@
         <p:txBody>
           <a:bodyPr lIns="0" rIns="0" tIns="0" bIns="0"/>
           <a:p>
-            <a:endParaRPr b="0" lang="zh-CN" sz="3200" spc="-1" strike="noStrike">
-              <a:solidFill>
-                <a:srgbClr val="000000"/>
-              </a:solidFill>
-              <a:uFill>
-                <a:solidFill>
-                  <a:srgbClr val="ffffff"/>
-                </a:solidFill>
-              </a:uFill>
-              <a:latin typeface="Calibri"/>
-            </a:endParaRPr>
-          </a:p>
-        </p:txBody>
-      </p:sp>
-      <p:sp>
-        <p:nvSpPr>
-          <p:cNvPr id="63" name="PlaceHolder 3"/>
+            <a:endParaRPr b="0" lang="en-US" sz="3200" spc="-1" strike="noStrike">
+              <a:solidFill>
+                <a:srgbClr val="000000"/>
+              </a:solidFill>
+              <a:uFill>
+                <a:solidFill>
+                  <a:srgbClr val="ffffff"/>
+                </a:solidFill>
+              </a:uFill>
+              <a:latin typeface="Arial"/>
+            </a:endParaRPr>
+          </a:p>
+        </p:txBody>
+      </p:sp>
+      <p:sp>
+        <p:nvSpPr>
+          <p:cNvPr id="57" name="PlaceHolder 3"/>
           <p:cNvSpPr>
             <a:spLocks noGrp="1"/>
           </p:cNvSpPr>
@@ -1542,23 +1553,23 @@
         <p:txBody>
           <a:bodyPr lIns="0" rIns="0" tIns="0" bIns="0"/>
           <a:p>
-            <a:endParaRPr b="0" lang="zh-CN" sz="3200" spc="-1" strike="noStrike">
-              <a:solidFill>
-                <a:srgbClr val="000000"/>
-              </a:solidFill>
-              <a:uFill>
-                <a:solidFill>
-                  <a:srgbClr val="ffffff"/>
-                </a:solidFill>
-              </a:uFill>
-              <a:latin typeface="Calibri"/>
-            </a:endParaRPr>
-          </a:p>
-        </p:txBody>
-      </p:sp>
-      <p:sp>
-        <p:nvSpPr>
-          <p:cNvPr id="64" name="PlaceHolder 4"/>
+            <a:endParaRPr b="0" lang="en-US" sz="3200" spc="-1" strike="noStrike">
+              <a:solidFill>
+                <a:srgbClr val="000000"/>
+              </a:solidFill>
+              <a:uFill>
+                <a:solidFill>
+                  <a:srgbClr val="ffffff"/>
+                </a:solidFill>
+              </a:uFill>
+              <a:latin typeface="Arial"/>
+            </a:endParaRPr>
+          </a:p>
+        </p:txBody>
+      </p:sp>
+      <p:sp>
+        <p:nvSpPr>
+          <p:cNvPr id="58" name="PlaceHolder 4"/>
           <p:cNvSpPr>
             <a:spLocks noGrp="1"/>
           </p:cNvSpPr>
@@ -1578,16 +1589,16 @@
         <p:txBody>
           <a:bodyPr lIns="0" rIns="0" tIns="0" bIns="0"/>
           <a:p>
-            <a:endParaRPr b="0" lang="zh-CN" sz="3200" spc="-1" strike="noStrike">
-              <a:solidFill>
-                <a:srgbClr val="000000"/>
-              </a:solidFill>
-              <a:uFill>
-                <a:solidFill>
-                  <a:srgbClr val="ffffff"/>
-                </a:solidFill>
-              </a:uFill>
-              <a:latin typeface="Calibri"/>
+            <a:endParaRPr b="0" lang="en-US" sz="3200" spc="-1" strike="noStrike">
+              <a:solidFill>
+                <a:srgbClr val="000000"/>
+              </a:solidFill>
+              <a:uFill>
+                <a:solidFill>
+                  <a:srgbClr val="ffffff"/>
+                </a:solidFill>
+              </a:uFill>
+              <a:latin typeface="Arial"/>
             </a:endParaRPr>
           </a:p>
         </p:txBody>
@@ -1616,7 +1627,7 @@
       </p:grpSpPr>
       <p:sp>
         <p:nvSpPr>
-          <p:cNvPr id="65" name="PlaceHolder 1"/>
+          <p:cNvPr id="59" name="PlaceHolder 1"/>
           <p:cNvSpPr>
             <a:spLocks noGrp="1"/>
           </p:cNvSpPr>
@@ -1636,23 +1647,24 @@
         <p:txBody>
           <a:bodyPr lIns="0" rIns="0" tIns="0" bIns="0" anchor="ctr"/>
           <a:p>
-            <a:endParaRPr b="0" lang="zh-CN" sz="1800" spc="-1" strike="noStrike">
-              <a:solidFill>
-                <a:srgbClr val="000000"/>
-              </a:solidFill>
-              <a:uFill>
-                <a:solidFill>
-                  <a:srgbClr val="ffffff"/>
-                </a:solidFill>
-              </a:uFill>
-              <a:latin typeface="Calibri"/>
-            </a:endParaRPr>
-          </a:p>
-        </p:txBody>
-      </p:sp>
-      <p:sp>
-        <p:nvSpPr>
-          <p:cNvPr id="66" name="PlaceHolder 2"/>
+            <a:pPr algn="ctr"/>
+            <a:endParaRPr b="0" lang="en-US" sz="4400" spc="-1" strike="noStrike">
+              <a:solidFill>
+                <a:srgbClr val="000000"/>
+              </a:solidFill>
+              <a:uFill>
+                <a:solidFill>
+                  <a:srgbClr val="ffffff"/>
+                </a:solidFill>
+              </a:uFill>
+              <a:latin typeface="Arial"/>
+            </a:endParaRPr>
+          </a:p>
+        </p:txBody>
+      </p:sp>
+      <p:sp>
+        <p:nvSpPr>
+          <p:cNvPr id="60" name="PlaceHolder 2"/>
           <p:cNvSpPr>
             <a:spLocks noGrp="1"/>
           </p:cNvSpPr>
@@ -1672,23 +1684,23 @@
         <p:txBody>
           <a:bodyPr lIns="0" rIns="0" tIns="0" bIns="0"/>
           <a:p>
-            <a:endParaRPr b="0" lang="zh-CN" sz="3200" spc="-1" strike="noStrike">
-              <a:solidFill>
-                <a:srgbClr val="000000"/>
-              </a:solidFill>
-              <a:uFill>
-                <a:solidFill>
-                  <a:srgbClr val="ffffff"/>
-                </a:solidFill>
-              </a:uFill>
-              <a:latin typeface="Calibri"/>
-            </a:endParaRPr>
-          </a:p>
-        </p:txBody>
-      </p:sp>
-      <p:sp>
-        <p:nvSpPr>
-          <p:cNvPr id="67" name="PlaceHolder 3"/>
+            <a:endParaRPr b="0" lang="en-US" sz="3200" spc="-1" strike="noStrike">
+              <a:solidFill>
+                <a:srgbClr val="000000"/>
+              </a:solidFill>
+              <a:uFill>
+                <a:solidFill>
+                  <a:srgbClr val="ffffff"/>
+                </a:solidFill>
+              </a:uFill>
+              <a:latin typeface="Arial"/>
+            </a:endParaRPr>
+          </a:p>
+        </p:txBody>
+      </p:sp>
+      <p:sp>
+        <p:nvSpPr>
+          <p:cNvPr id="61" name="PlaceHolder 3"/>
           <p:cNvSpPr>
             <a:spLocks noGrp="1"/>
           </p:cNvSpPr>
@@ -1708,16 +1720,16 @@
         <p:txBody>
           <a:bodyPr lIns="0" rIns="0" tIns="0" bIns="0"/>
           <a:p>
-            <a:endParaRPr b="0" lang="zh-CN" sz="3200" spc="-1" strike="noStrike">
-              <a:solidFill>
-                <a:srgbClr val="000000"/>
-              </a:solidFill>
-              <a:uFill>
-                <a:solidFill>
-                  <a:srgbClr val="ffffff"/>
-                </a:solidFill>
-              </a:uFill>
-              <a:latin typeface="Calibri"/>
+            <a:endParaRPr b="0" lang="en-US" sz="3200" spc="-1" strike="noStrike">
+              <a:solidFill>
+                <a:srgbClr val="000000"/>
+              </a:solidFill>
+              <a:uFill>
+                <a:solidFill>
+                  <a:srgbClr val="ffffff"/>
+                </a:solidFill>
+              </a:uFill>
+              <a:latin typeface="Arial"/>
             </a:endParaRPr>
           </a:p>
         </p:txBody>
@@ -1746,7 +1758,7 @@
       </p:grpSpPr>
       <p:sp>
         <p:nvSpPr>
-          <p:cNvPr id="68" name="PlaceHolder 1"/>
+          <p:cNvPr id="62" name="PlaceHolder 1"/>
           <p:cNvSpPr>
             <a:spLocks noGrp="1"/>
           </p:cNvSpPr>
@@ -1766,23 +1778,24 @@
         <p:txBody>
           <a:bodyPr lIns="0" rIns="0" tIns="0" bIns="0" anchor="ctr"/>
           <a:p>
-            <a:endParaRPr b="0" lang="zh-CN" sz="1800" spc="-1" strike="noStrike">
-              <a:solidFill>
-                <a:srgbClr val="000000"/>
-              </a:solidFill>
-              <a:uFill>
-                <a:solidFill>
-                  <a:srgbClr val="ffffff"/>
-                </a:solidFill>
-              </a:uFill>
-              <a:latin typeface="Calibri"/>
-            </a:endParaRPr>
-          </a:p>
-        </p:txBody>
-      </p:sp>
-      <p:sp>
-        <p:nvSpPr>
-          <p:cNvPr id="69" name="PlaceHolder 2"/>
+            <a:pPr algn="ctr"/>
+            <a:endParaRPr b="0" lang="en-US" sz="4400" spc="-1" strike="noStrike">
+              <a:solidFill>
+                <a:srgbClr val="000000"/>
+              </a:solidFill>
+              <a:uFill>
+                <a:solidFill>
+                  <a:srgbClr val="ffffff"/>
+                </a:solidFill>
+              </a:uFill>
+              <a:latin typeface="Arial"/>
+            </a:endParaRPr>
+          </a:p>
+        </p:txBody>
+      </p:sp>
+      <p:sp>
+        <p:nvSpPr>
+          <p:cNvPr id="63" name="PlaceHolder 2"/>
           <p:cNvSpPr>
             <a:spLocks noGrp="1"/>
           </p:cNvSpPr>
@@ -1802,23 +1815,23 @@
         <p:txBody>
           <a:bodyPr lIns="0" rIns="0" tIns="0" bIns="0"/>
           <a:p>
-            <a:endParaRPr b="0" lang="zh-CN" sz="3200" spc="-1" strike="noStrike">
-              <a:solidFill>
-                <a:srgbClr val="000000"/>
-              </a:solidFill>
-              <a:uFill>
-                <a:solidFill>
-                  <a:srgbClr val="ffffff"/>
-                </a:solidFill>
-              </a:uFill>
-              <a:latin typeface="Calibri"/>
-            </a:endParaRPr>
-          </a:p>
-        </p:txBody>
-      </p:sp>
-      <p:sp>
-        <p:nvSpPr>
-          <p:cNvPr id="70" name="PlaceHolder 3"/>
+            <a:endParaRPr b="0" lang="en-US" sz="3200" spc="-1" strike="noStrike">
+              <a:solidFill>
+                <a:srgbClr val="000000"/>
+              </a:solidFill>
+              <a:uFill>
+                <a:solidFill>
+                  <a:srgbClr val="ffffff"/>
+                </a:solidFill>
+              </a:uFill>
+              <a:latin typeface="Arial"/>
+            </a:endParaRPr>
+          </a:p>
+        </p:txBody>
+      </p:sp>
+      <p:sp>
+        <p:nvSpPr>
+          <p:cNvPr id="64" name="PlaceHolder 3"/>
           <p:cNvSpPr>
             <a:spLocks noGrp="1"/>
           </p:cNvSpPr>
@@ -1838,23 +1851,23 @@
         <p:txBody>
           <a:bodyPr lIns="0" rIns="0" tIns="0" bIns="0"/>
           <a:p>
-            <a:endParaRPr b="0" lang="zh-CN" sz="3200" spc="-1" strike="noStrike">
-              <a:solidFill>
-                <a:srgbClr val="000000"/>
-              </a:solidFill>
-              <a:uFill>
-                <a:solidFill>
-                  <a:srgbClr val="ffffff"/>
-                </a:solidFill>
-              </a:uFill>
-              <a:latin typeface="Calibri"/>
-            </a:endParaRPr>
-          </a:p>
-        </p:txBody>
-      </p:sp>
-      <p:sp>
-        <p:nvSpPr>
-          <p:cNvPr id="71" name="PlaceHolder 4"/>
+            <a:endParaRPr b="0" lang="en-US" sz="3200" spc="-1" strike="noStrike">
+              <a:solidFill>
+                <a:srgbClr val="000000"/>
+              </a:solidFill>
+              <a:uFill>
+                <a:solidFill>
+                  <a:srgbClr val="ffffff"/>
+                </a:solidFill>
+              </a:uFill>
+              <a:latin typeface="Arial"/>
+            </a:endParaRPr>
+          </a:p>
+        </p:txBody>
+      </p:sp>
+      <p:sp>
+        <p:nvSpPr>
+          <p:cNvPr id="65" name="PlaceHolder 4"/>
           <p:cNvSpPr>
             <a:spLocks noGrp="1"/>
           </p:cNvSpPr>
@@ -1874,23 +1887,23 @@
         <p:txBody>
           <a:bodyPr lIns="0" rIns="0" tIns="0" bIns="0"/>
           <a:p>
-            <a:endParaRPr b="0" lang="zh-CN" sz="3200" spc="-1" strike="noStrike">
-              <a:solidFill>
-                <a:srgbClr val="000000"/>
-              </a:solidFill>
-              <a:uFill>
-                <a:solidFill>
-                  <a:srgbClr val="ffffff"/>
-                </a:solidFill>
-              </a:uFill>
-              <a:latin typeface="Calibri"/>
-            </a:endParaRPr>
-          </a:p>
-        </p:txBody>
-      </p:sp>
-      <p:sp>
-        <p:nvSpPr>
-          <p:cNvPr id="72" name="PlaceHolder 5"/>
+            <a:endParaRPr b="0" lang="en-US" sz="3200" spc="-1" strike="noStrike">
+              <a:solidFill>
+                <a:srgbClr val="000000"/>
+              </a:solidFill>
+              <a:uFill>
+                <a:solidFill>
+                  <a:srgbClr val="ffffff"/>
+                </a:solidFill>
+              </a:uFill>
+              <a:latin typeface="Arial"/>
+            </a:endParaRPr>
+          </a:p>
+        </p:txBody>
+      </p:sp>
+      <p:sp>
+        <p:nvSpPr>
+          <p:cNvPr id="66" name="PlaceHolder 5"/>
           <p:cNvSpPr>
             <a:spLocks noGrp="1"/>
           </p:cNvSpPr>
@@ -1910,16 +1923,16 @@
         <p:txBody>
           <a:bodyPr lIns="0" rIns="0" tIns="0" bIns="0"/>
           <a:p>
-            <a:endParaRPr b="0" lang="zh-CN" sz="3200" spc="-1" strike="noStrike">
-              <a:solidFill>
-                <a:srgbClr val="000000"/>
-              </a:solidFill>
-              <a:uFill>
-                <a:solidFill>
-                  <a:srgbClr val="ffffff"/>
-                </a:solidFill>
-              </a:uFill>
-              <a:latin typeface="Calibri"/>
+            <a:endParaRPr b="0" lang="en-US" sz="3200" spc="-1" strike="noStrike">
+              <a:solidFill>
+                <a:srgbClr val="000000"/>
+              </a:solidFill>
+              <a:uFill>
+                <a:solidFill>
+                  <a:srgbClr val="ffffff"/>
+                </a:solidFill>
+              </a:uFill>
+              <a:latin typeface="Arial"/>
             </a:endParaRPr>
           </a:p>
         </p:txBody>
@@ -1948,7 +1961,7 @@
       </p:grpSpPr>
       <p:sp>
         <p:nvSpPr>
-          <p:cNvPr id="73" name="PlaceHolder 1"/>
+          <p:cNvPr id="67" name="PlaceHolder 1"/>
           <p:cNvSpPr>
             <a:spLocks noGrp="1"/>
           </p:cNvSpPr>
@@ -1968,23 +1981,24 @@
         <p:txBody>
           <a:bodyPr lIns="0" rIns="0" tIns="0" bIns="0" anchor="ctr"/>
           <a:p>
-            <a:endParaRPr b="0" lang="zh-CN" sz="1800" spc="-1" strike="noStrike">
-              <a:solidFill>
-                <a:srgbClr val="000000"/>
-              </a:solidFill>
-              <a:uFill>
-                <a:solidFill>
-                  <a:srgbClr val="ffffff"/>
-                </a:solidFill>
-              </a:uFill>
-              <a:latin typeface="Calibri"/>
-            </a:endParaRPr>
-          </a:p>
-        </p:txBody>
-      </p:sp>
-      <p:sp>
-        <p:nvSpPr>
-          <p:cNvPr id="74" name="PlaceHolder 2"/>
+            <a:pPr algn="ctr"/>
+            <a:endParaRPr b="0" lang="en-US" sz="4400" spc="-1" strike="noStrike">
+              <a:solidFill>
+                <a:srgbClr val="000000"/>
+              </a:solidFill>
+              <a:uFill>
+                <a:solidFill>
+                  <a:srgbClr val="ffffff"/>
+                </a:solidFill>
+              </a:uFill>
+              <a:latin typeface="Arial"/>
+            </a:endParaRPr>
+          </a:p>
+        </p:txBody>
+      </p:sp>
+      <p:sp>
+        <p:nvSpPr>
+          <p:cNvPr id="68" name="PlaceHolder 2"/>
           <p:cNvSpPr>
             <a:spLocks noGrp="1"/>
           </p:cNvSpPr>
@@ -2004,23 +2018,23 @@
         <p:txBody>
           <a:bodyPr lIns="0" rIns="0" tIns="0" bIns="0"/>
           <a:p>
-            <a:endParaRPr b="0" lang="zh-CN" sz="3200" spc="-1" strike="noStrike">
-              <a:solidFill>
-                <a:srgbClr val="000000"/>
-              </a:solidFill>
-              <a:uFill>
-                <a:solidFill>
-                  <a:srgbClr val="ffffff"/>
-                </a:solidFill>
-              </a:uFill>
-              <a:latin typeface="Calibri"/>
-            </a:endParaRPr>
-          </a:p>
-        </p:txBody>
-      </p:sp>
-      <p:sp>
-        <p:nvSpPr>
-          <p:cNvPr id="75" name="PlaceHolder 3"/>
+            <a:endParaRPr b="0" lang="en-US" sz="3200" spc="-1" strike="noStrike">
+              <a:solidFill>
+                <a:srgbClr val="000000"/>
+              </a:solidFill>
+              <a:uFill>
+                <a:solidFill>
+                  <a:srgbClr val="ffffff"/>
+                </a:solidFill>
+              </a:uFill>
+              <a:latin typeface="Arial"/>
+            </a:endParaRPr>
+          </a:p>
+        </p:txBody>
+      </p:sp>
+      <p:sp>
+        <p:nvSpPr>
+          <p:cNvPr id="69" name="PlaceHolder 3"/>
           <p:cNvSpPr>
             <a:spLocks noGrp="1"/>
           </p:cNvSpPr>
@@ -2040,23 +2054,23 @@
         <p:txBody>
           <a:bodyPr lIns="0" rIns="0" tIns="0" bIns="0"/>
           <a:p>
-            <a:endParaRPr b="0" lang="zh-CN" sz="3200" spc="-1" strike="noStrike">
-              <a:solidFill>
-                <a:srgbClr val="000000"/>
-              </a:solidFill>
-              <a:uFill>
-                <a:solidFill>
-                  <a:srgbClr val="ffffff"/>
-                </a:solidFill>
-              </a:uFill>
-              <a:latin typeface="Calibri"/>
+            <a:endParaRPr b="0" lang="en-US" sz="3200" spc="-1" strike="noStrike">
+              <a:solidFill>
+                <a:srgbClr val="000000"/>
+              </a:solidFill>
+              <a:uFill>
+                <a:solidFill>
+                  <a:srgbClr val="ffffff"/>
+                </a:solidFill>
+              </a:uFill>
+              <a:latin typeface="Arial"/>
             </a:endParaRPr>
           </a:p>
         </p:txBody>
       </p:sp>
       <p:pic>
         <p:nvPicPr>
-          <p:cNvPr id="76" name="" descr=""/>
+          <p:cNvPr id="70" name="" descr=""/>
           <p:cNvPicPr/>
           <p:nvPr/>
         </p:nvPicPr>
@@ -2079,7 +2093,7 @@
       </p:pic>
       <p:pic>
         <p:nvPicPr>
-          <p:cNvPr id="77" name="" descr=""/>
+          <p:cNvPr id="71" name="" descr=""/>
           <p:cNvPicPr/>
           <p:nvPr/>
         </p:nvPicPr>
@@ -2124,7 +2138,7 @@
       </p:grpSpPr>
       <p:sp>
         <p:nvSpPr>
-          <p:cNvPr id="7" name="PlaceHolder 1"/>
+          <p:cNvPr id="4" name="PlaceHolder 1"/>
           <p:cNvSpPr>
             <a:spLocks noGrp="1"/>
           </p:cNvSpPr>
@@ -2144,23 +2158,24 @@
         <p:txBody>
           <a:bodyPr lIns="0" rIns="0" tIns="0" bIns="0" anchor="ctr"/>
           <a:p>
-            <a:endParaRPr b="0" lang="zh-CN" sz="1800" spc="-1" strike="noStrike">
-              <a:solidFill>
-                <a:srgbClr val="000000"/>
-              </a:solidFill>
-              <a:uFill>
-                <a:solidFill>
-                  <a:srgbClr val="ffffff"/>
-                </a:solidFill>
-              </a:uFill>
-              <a:latin typeface="Calibri"/>
-            </a:endParaRPr>
-          </a:p>
-        </p:txBody>
-      </p:sp>
-      <p:sp>
-        <p:nvSpPr>
-          <p:cNvPr id="8" name="PlaceHolder 2"/>
+            <a:pPr algn="ctr"/>
+            <a:endParaRPr b="0" lang="en-US" sz="4400" spc="-1" strike="noStrike">
+              <a:solidFill>
+                <a:srgbClr val="000000"/>
+              </a:solidFill>
+              <a:uFill>
+                <a:solidFill>
+                  <a:srgbClr val="ffffff"/>
+                </a:solidFill>
+              </a:uFill>
+              <a:latin typeface="Arial"/>
+            </a:endParaRPr>
+          </a:p>
+        </p:txBody>
+      </p:sp>
+      <p:sp>
+        <p:nvSpPr>
+          <p:cNvPr id="5" name="PlaceHolder 2"/>
           <p:cNvSpPr>
             <a:spLocks noGrp="1"/>
           </p:cNvSpPr>
@@ -2180,16 +2195,16 @@
         <p:txBody>
           <a:bodyPr lIns="0" rIns="0" tIns="0" bIns="0"/>
           <a:p>
-            <a:endParaRPr b="0" lang="zh-CN" sz="3200" spc="-1" strike="noStrike">
-              <a:solidFill>
-                <a:srgbClr val="000000"/>
-              </a:solidFill>
-              <a:uFill>
-                <a:solidFill>
-                  <a:srgbClr val="ffffff"/>
-                </a:solidFill>
-              </a:uFill>
-              <a:latin typeface="Calibri"/>
+            <a:endParaRPr b="0" lang="en-US" sz="3200" spc="-1" strike="noStrike">
+              <a:solidFill>
+                <a:srgbClr val="000000"/>
+              </a:solidFill>
+              <a:uFill>
+                <a:solidFill>
+                  <a:srgbClr val="ffffff"/>
+                </a:solidFill>
+              </a:uFill>
+              <a:latin typeface="Arial"/>
             </a:endParaRPr>
           </a:p>
         </p:txBody>
@@ -2218,7 +2233,7 @@
       </p:grpSpPr>
       <p:sp>
         <p:nvSpPr>
-          <p:cNvPr id="9" name="PlaceHolder 1"/>
+          <p:cNvPr id="6" name="PlaceHolder 1"/>
           <p:cNvSpPr>
             <a:spLocks noGrp="1"/>
           </p:cNvSpPr>
@@ -2238,23 +2253,24 @@
         <p:txBody>
           <a:bodyPr lIns="0" rIns="0" tIns="0" bIns="0" anchor="ctr"/>
           <a:p>
-            <a:endParaRPr b="0" lang="zh-CN" sz="1800" spc="-1" strike="noStrike">
-              <a:solidFill>
-                <a:srgbClr val="000000"/>
-              </a:solidFill>
-              <a:uFill>
-                <a:solidFill>
-                  <a:srgbClr val="ffffff"/>
-                </a:solidFill>
-              </a:uFill>
-              <a:latin typeface="Calibri"/>
-            </a:endParaRPr>
-          </a:p>
-        </p:txBody>
-      </p:sp>
-      <p:sp>
-        <p:nvSpPr>
-          <p:cNvPr id="10" name="PlaceHolder 2"/>
+            <a:pPr algn="ctr"/>
+            <a:endParaRPr b="0" lang="en-US" sz="4400" spc="-1" strike="noStrike">
+              <a:solidFill>
+                <a:srgbClr val="000000"/>
+              </a:solidFill>
+              <a:uFill>
+                <a:solidFill>
+                  <a:srgbClr val="ffffff"/>
+                </a:solidFill>
+              </a:uFill>
+              <a:latin typeface="Arial"/>
+            </a:endParaRPr>
+          </a:p>
+        </p:txBody>
+      </p:sp>
+      <p:sp>
+        <p:nvSpPr>
+          <p:cNvPr id="7" name="PlaceHolder 2"/>
           <p:cNvSpPr>
             <a:spLocks noGrp="1"/>
           </p:cNvSpPr>
@@ -2274,23 +2290,23 @@
         <p:txBody>
           <a:bodyPr lIns="0" rIns="0" tIns="0" bIns="0"/>
           <a:p>
-            <a:endParaRPr b="0" lang="zh-CN" sz="3200" spc="-1" strike="noStrike">
-              <a:solidFill>
-                <a:srgbClr val="000000"/>
-              </a:solidFill>
-              <a:uFill>
-                <a:solidFill>
-                  <a:srgbClr val="ffffff"/>
-                </a:solidFill>
-              </a:uFill>
-              <a:latin typeface="Calibri"/>
-            </a:endParaRPr>
-          </a:p>
-        </p:txBody>
-      </p:sp>
-      <p:sp>
-        <p:nvSpPr>
-          <p:cNvPr id="11" name="PlaceHolder 3"/>
+            <a:endParaRPr b="0" lang="en-US" sz="3200" spc="-1" strike="noStrike">
+              <a:solidFill>
+                <a:srgbClr val="000000"/>
+              </a:solidFill>
+              <a:uFill>
+                <a:solidFill>
+                  <a:srgbClr val="ffffff"/>
+                </a:solidFill>
+              </a:uFill>
+              <a:latin typeface="Arial"/>
+            </a:endParaRPr>
+          </a:p>
+        </p:txBody>
+      </p:sp>
+      <p:sp>
+        <p:nvSpPr>
+          <p:cNvPr id="8" name="PlaceHolder 3"/>
           <p:cNvSpPr>
             <a:spLocks noGrp="1"/>
           </p:cNvSpPr>
@@ -2310,16 +2326,16 @@
         <p:txBody>
           <a:bodyPr lIns="0" rIns="0" tIns="0" bIns="0"/>
           <a:p>
-            <a:endParaRPr b="0" lang="zh-CN" sz="3200" spc="-1" strike="noStrike">
-              <a:solidFill>
-                <a:srgbClr val="000000"/>
-              </a:solidFill>
-              <a:uFill>
-                <a:solidFill>
-                  <a:srgbClr val="ffffff"/>
-                </a:solidFill>
-              </a:uFill>
-              <a:latin typeface="Calibri"/>
+            <a:endParaRPr b="0" lang="en-US" sz="3200" spc="-1" strike="noStrike">
+              <a:solidFill>
+                <a:srgbClr val="000000"/>
+              </a:solidFill>
+              <a:uFill>
+                <a:solidFill>
+                  <a:srgbClr val="ffffff"/>
+                </a:solidFill>
+              </a:uFill>
+              <a:latin typeface="Arial"/>
             </a:endParaRPr>
           </a:p>
         </p:txBody>
@@ -2348,7 +2364,7 @@
       </p:grpSpPr>
       <p:sp>
         <p:nvSpPr>
-          <p:cNvPr id="12" name="PlaceHolder 1"/>
+          <p:cNvPr id="9" name="PlaceHolder 1"/>
           <p:cNvSpPr>
             <a:spLocks noGrp="1"/>
           </p:cNvSpPr>
@@ -2368,16 +2384,17 @@
         <p:txBody>
           <a:bodyPr lIns="0" rIns="0" tIns="0" bIns="0" anchor="ctr"/>
           <a:p>
-            <a:endParaRPr b="0" lang="zh-CN" sz="1800" spc="-1" strike="noStrike">
-              <a:solidFill>
-                <a:srgbClr val="000000"/>
-              </a:solidFill>
-              <a:uFill>
-                <a:solidFill>
-                  <a:srgbClr val="ffffff"/>
-                </a:solidFill>
-              </a:uFill>
-              <a:latin typeface="Calibri"/>
+            <a:pPr algn="ctr"/>
+            <a:endParaRPr b="0" lang="en-US" sz="4400" spc="-1" strike="noStrike">
+              <a:solidFill>
+                <a:srgbClr val="000000"/>
+              </a:solidFill>
+              <a:uFill>
+                <a:solidFill>
+                  <a:srgbClr val="ffffff"/>
+                </a:solidFill>
+              </a:uFill>
+              <a:latin typeface="Arial"/>
             </a:endParaRPr>
           </a:p>
         </p:txBody>
@@ -2406,7 +2423,7 @@
       </p:grpSpPr>
       <p:sp>
         <p:nvSpPr>
-          <p:cNvPr id="13" name="PlaceHolder 1"/>
+          <p:cNvPr id="10" name="PlaceHolder 1"/>
           <p:cNvSpPr>
             <a:spLocks noGrp="1"/>
           </p:cNvSpPr>
@@ -2465,7 +2482,7 @@
       </p:grpSpPr>
       <p:sp>
         <p:nvSpPr>
-          <p:cNvPr id="14" name="PlaceHolder 1"/>
+          <p:cNvPr id="11" name="PlaceHolder 1"/>
           <p:cNvSpPr>
             <a:spLocks noGrp="1"/>
           </p:cNvSpPr>
@@ -2485,23 +2502,24 @@
         <p:txBody>
           <a:bodyPr lIns="0" rIns="0" tIns="0" bIns="0" anchor="ctr"/>
           <a:p>
-            <a:endParaRPr b="0" lang="zh-CN" sz="1800" spc="-1" strike="noStrike">
-              <a:solidFill>
-                <a:srgbClr val="000000"/>
-              </a:solidFill>
-              <a:uFill>
-                <a:solidFill>
-                  <a:srgbClr val="ffffff"/>
-                </a:solidFill>
-              </a:uFill>
-              <a:latin typeface="Calibri"/>
-            </a:endParaRPr>
-          </a:p>
-        </p:txBody>
-      </p:sp>
-      <p:sp>
-        <p:nvSpPr>
-          <p:cNvPr id="15" name="PlaceHolder 2"/>
+            <a:pPr algn="ctr"/>
+            <a:endParaRPr b="0" lang="en-US" sz="4400" spc="-1" strike="noStrike">
+              <a:solidFill>
+                <a:srgbClr val="000000"/>
+              </a:solidFill>
+              <a:uFill>
+                <a:solidFill>
+                  <a:srgbClr val="ffffff"/>
+                </a:solidFill>
+              </a:uFill>
+              <a:latin typeface="Arial"/>
+            </a:endParaRPr>
+          </a:p>
+        </p:txBody>
+      </p:sp>
+      <p:sp>
+        <p:nvSpPr>
+          <p:cNvPr id="12" name="PlaceHolder 2"/>
           <p:cNvSpPr>
             <a:spLocks noGrp="1"/>
           </p:cNvSpPr>
@@ -2521,23 +2539,23 @@
         <p:txBody>
           <a:bodyPr lIns="0" rIns="0" tIns="0" bIns="0"/>
           <a:p>
-            <a:endParaRPr b="0" lang="zh-CN" sz="3200" spc="-1" strike="noStrike">
-              <a:solidFill>
-                <a:srgbClr val="000000"/>
-              </a:solidFill>
-              <a:uFill>
-                <a:solidFill>
-                  <a:srgbClr val="ffffff"/>
-                </a:solidFill>
-              </a:uFill>
-              <a:latin typeface="Calibri"/>
-            </a:endParaRPr>
-          </a:p>
-        </p:txBody>
-      </p:sp>
-      <p:sp>
-        <p:nvSpPr>
-          <p:cNvPr id="16" name="PlaceHolder 3"/>
+            <a:endParaRPr b="0" lang="en-US" sz="3200" spc="-1" strike="noStrike">
+              <a:solidFill>
+                <a:srgbClr val="000000"/>
+              </a:solidFill>
+              <a:uFill>
+                <a:solidFill>
+                  <a:srgbClr val="ffffff"/>
+                </a:solidFill>
+              </a:uFill>
+              <a:latin typeface="Arial"/>
+            </a:endParaRPr>
+          </a:p>
+        </p:txBody>
+      </p:sp>
+      <p:sp>
+        <p:nvSpPr>
+          <p:cNvPr id="13" name="PlaceHolder 3"/>
           <p:cNvSpPr>
             <a:spLocks noGrp="1"/>
           </p:cNvSpPr>
@@ -2557,23 +2575,23 @@
         <p:txBody>
           <a:bodyPr lIns="0" rIns="0" tIns="0" bIns="0"/>
           <a:p>
-            <a:endParaRPr b="0" lang="zh-CN" sz="3200" spc="-1" strike="noStrike">
-              <a:solidFill>
-                <a:srgbClr val="000000"/>
-              </a:solidFill>
-              <a:uFill>
-                <a:solidFill>
-                  <a:srgbClr val="ffffff"/>
-                </a:solidFill>
-              </a:uFill>
-              <a:latin typeface="Calibri"/>
-            </a:endParaRPr>
-          </a:p>
-        </p:txBody>
-      </p:sp>
-      <p:sp>
-        <p:nvSpPr>
-          <p:cNvPr id="17" name="PlaceHolder 4"/>
+            <a:endParaRPr b="0" lang="en-US" sz="3200" spc="-1" strike="noStrike">
+              <a:solidFill>
+                <a:srgbClr val="000000"/>
+              </a:solidFill>
+              <a:uFill>
+                <a:solidFill>
+                  <a:srgbClr val="ffffff"/>
+                </a:solidFill>
+              </a:uFill>
+              <a:latin typeface="Arial"/>
+            </a:endParaRPr>
+          </a:p>
+        </p:txBody>
+      </p:sp>
+      <p:sp>
+        <p:nvSpPr>
+          <p:cNvPr id="14" name="PlaceHolder 4"/>
           <p:cNvSpPr>
             <a:spLocks noGrp="1"/>
           </p:cNvSpPr>
@@ -2593,16 +2611,16 @@
         <p:txBody>
           <a:bodyPr lIns="0" rIns="0" tIns="0" bIns="0"/>
           <a:p>
-            <a:endParaRPr b="0" lang="zh-CN" sz="3200" spc="-1" strike="noStrike">
-              <a:solidFill>
-                <a:srgbClr val="000000"/>
-              </a:solidFill>
-              <a:uFill>
-                <a:solidFill>
-                  <a:srgbClr val="ffffff"/>
-                </a:solidFill>
-              </a:uFill>
-              <a:latin typeface="Calibri"/>
+            <a:endParaRPr b="0" lang="en-US" sz="3200" spc="-1" strike="noStrike">
+              <a:solidFill>
+                <a:srgbClr val="000000"/>
+              </a:solidFill>
+              <a:uFill>
+                <a:solidFill>
+                  <a:srgbClr val="ffffff"/>
+                </a:solidFill>
+              </a:uFill>
+              <a:latin typeface="Arial"/>
             </a:endParaRPr>
           </a:p>
         </p:txBody>
@@ -2631,7 +2649,7 @@
       </p:grpSpPr>
       <p:sp>
         <p:nvSpPr>
-          <p:cNvPr id="18" name="PlaceHolder 1"/>
+          <p:cNvPr id="15" name="PlaceHolder 1"/>
           <p:cNvSpPr>
             <a:spLocks noGrp="1"/>
           </p:cNvSpPr>
@@ -2651,23 +2669,24 @@
         <p:txBody>
           <a:bodyPr lIns="0" rIns="0" tIns="0" bIns="0" anchor="ctr"/>
           <a:p>
-            <a:endParaRPr b="0" lang="zh-CN" sz="1800" spc="-1" strike="noStrike">
-              <a:solidFill>
-                <a:srgbClr val="000000"/>
-              </a:solidFill>
-              <a:uFill>
-                <a:solidFill>
-                  <a:srgbClr val="ffffff"/>
-                </a:solidFill>
-              </a:uFill>
-              <a:latin typeface="Calibri"/>
-            </a:endParaRPr>
-          </a:p>
-        </p:txBody>
-      </p:sp>
-      <p:sp>
-        <p:nvSpPr>
-          <p:cNvPr id="19" name="PlaceHolder 2"/>
+            <a:pPr algn="ctr"/>
+            <a:endParaRPr b="0" lang="en-US" sz="4400" spc="-1" strike="noStrike">
+              <a:solidFill>
+                <a:srgbClr val="000000"/>
+              </a:solidFill>
+              <a:uFill>
+                <a:solidFill>
+                  <a:srgbClr val="ffffff"/>
+                </a:solidFill>
+              </a:uFill>
+              <a:latin typeface="Arial"/>
+            </a:endParaRPr>
+          </a:p>
+        </p:txBody>
+      </p:sp>
+      <p:sp>
+        <p:nvSpPr>
+          <p:cNvPr id="16" name="PlaceHolder 2"/>
           <p:cNvSpPr>
             <a:spLocks noGrp="1"/>
           </p:cNvSpPr>
@@ -2687,23 +2706,23 @@
         <p:txBody>
           <a:bodyPr lIns="0" rIns="0" tIns="0" bIns="0"/>
           <a:p>
-            <a:endParaRPr b="0" lang="zh-CN" sz="3200" spc="-1" strike="noStrike">
-              <a:solidFill>
-                <a:srgbClr val="000000"/>
-              </a:solidFill>
-              <a:uFill>
-                <a:solidFill>
-                  <a:srgbClr val="ffffff"/>
-                </a:solidFill>
-              </a:uFill>
-              <a:latin typeface="Calibri"/>
-            </a:endParaRPr>
-          </a:p>
-        </p:txBody>
-      </p:sp>
-      <p:sp>
-        <p:nvSpPr>
-          <p:cNvPr id="20" name="PlaceHolder 3"/>
+            <a:endParaRPr b="0" lang="en-US" sz="3200" spc="-1" strike="noStrike">
+              <a:solidFill>
+                <a:srgbClr val="000000"/>
+              </a:solidFill>
+              <a:uFill>
+                <a:solidFill>
+                  <a:srgbClr val="ffffff"/>
+                </a:solidFill>
+              </a:uFill>
+              <a:latin typeface="Arial"/>
+            </a:endParaRPr>
+          </a:p>
+        </p:txBody>
+      </p:sp>
+      <p:sp>
+        <p:nvSpPr>
+          <p:cNvPr id="17" name="PlaceHolder 3"/>
           <p:cNvSpPr>
             <a:spLocks noGrp="1"/>
           </p:cNvSpPr>
@@ -2723,23 +2742,23 @@
         <p:txBody>
           <a:bodyPr lIns="0" rIns="0" tIns="0" bIns="0"/>
           <a:p>
-            <a:endParaRPr b="0" lang="zh-CN" sz="3200" spc="-1" strike="noStrike">
-              <a:solidFill>
-                <a:srgbClr val="000000"/>
-              </a:solidFill>
-              <a:uFill>
-                <a:solidFill>
-                  <a:srgbClr val="ffffff"/>
-                </a:solidFill>
-              </a:uFill>
-              <a:latin typeface="Calibri"/>
-            </a:endParaRPr>
-          </a:p>
-        </p:txBody>
-      </p:sp>
-      <p:sp>
-        <p:nvSpPr>
-          <p:cNvPr id="21" name="PlaceHolder 4"/>
+            <a:endParaRPr b="0" lang="en-US" sz="3200" spc="-1" strike="noStrike">
+              <a:solidFill>
+                <a:srgbClr val="000000"/>
+              </a:solidFill>
+              <a:uFill>
+                <a:solidFill>
+                  <a:srgbClr val="ffffff"/>
+                </a:solidFill>
+              </a:uFill>
+              <a:latin typeface="Arial"/>
+            </a:endParaRPr>
+          </a:p>
+        </p:txBody>
+      </p:sp>
+      <p:sp>
+        <p:nvSpPr>
+          <p:cNvPr id="18" name="PlaceHolder 4"/>
           <p:cNvSpPr>
             <a:spLocks noGrp="1"/>
           </p:cNvSpPr>
@@ -2759,16 +2778,16 @@
         <p:txBody>
           <a:bodyPr lIns="0" rIns="0" tIns="0" bIns="0"/>
           <a:p>
-            <a:endParaRPr b="0" lang="zh-CN" sz="3200" spc="-1" strike="noStrike">
-              <a:solidFill>
-                <a:srgbClr val="000000"/>
-              </a:solidFill>
-              <a:uFill>
-                <a:solidFill>
-                  <a:srgbClr val="ffffff"/>
-                </a:solidFill>
-              </a:uFill>
-              <a:latin typeface="Calibri"/>
+            <a:endParaRPr b="0" lang="en-US" sz="3200" spc="-1" strike="noStrike">
+              <a:solidFill>
+                <a:srgbClr val="000000"/>
+              </a:solidFill>
+              <a:uFill>
+                <a:solidFill>
+                  <a:srgbClr val="ffffff"/>
+                </a:solidFill>
+              </a:uFill>
+              <a:latin typeface="Arial"/>
             </a:endParaRPr>
           </a:p>
         </p:txBody>
@@ -2797,7 +2816,7 @@
       </p:grpSpPr>
       <p:sp>
         <p:nvSpPr>
-          <p:cNvPr id="22" name="PlaceHolder 1"/>
+          <p:cNvPr id="19" name="PlaceHolder 1"/>
           <p:cNvSpPr>
             <a:spLocks noGrp="1"/>
           </p:cNvSpPr>
@@ -2817,23 +2836,24 @@
         <p:txBody>
           <a:bodyPr lIns="0" rIns="0" tIns="0" bIns="0" anchor="ctr"/>
           <a:p>
-            <a:endParaRPr b="0" lang="zh-CN" sz="1800" spc="-1" strike="noStrike">
-              <a:solidFill>
-                <a:srgbClr val="000000"/>
-              </a:solidFill>
-              <a:uFill>
-                <a:solidFill>
-                  <a:srgbClr val="ffffff"/>
-                </a:solidFill>
-              </a:uFill>
-              <a:latin typeface="Calibri"/>
-            </a:endParaRPr>
-          </a:p>
-        </p:txBody>
-      </p:sp>
-      <p:sp>
-        <p:nvSpPr>
-          <p:cNvPr id="23" name="PlaceHolder 2"/>
+            <a:pPr algn="ctr"/>
+            <a:endParaRPr b="0" lang="en-US" sz="4400" spc="-1" strike="noStrike">
+              <a:solidFill>
+                <a:srgbClr val="000000"/>
+              </a:solidFill>
+              <a:uFill>
+                <a:solidFill>
+                  <a:srgbClr val="ffffff"/>
+                </a:solidFill>
+              </a:uFill>
+              <a:latin typeface="Arial"/>
+            </a:endParaRPr>
+          </a:p>
+        </p:txBody>
+      </p:sp>
+      <p:sp>
+        <p:nvSpPr>
+          <p:cNvPr id="20" name="PlaceHolder 2"/>
           <p:cNvSpPr>
             <a:spLocks noGrp="1"/>
           </p:cNvSpPr>
@@ -2853,23 +2873,23 @@
         <p:txBody>
           <a:bodyPr lIns="0" rIns="0" tIns="0" bIns="0"/>
           <a:p>
-            <a:endParaRPr b="0" lang="zh-CN" sz="3200" spc="-1" strike="noStrike">
-              <a:solidFill>
-                <a:srgbClr val="000000"/>
-              </a:solidFill>
-              <a:uFill>
-                <a:solidFill>
-                  <a:srgbClr val="ffffff"/>
-                </a:solidFill>
-              </a:uFill>
-              <a:latin typeface="Calibri"/>
-            </a:endParaRPr>
-          </a:p>
-        </p:txBody>
-      </p:sp>
-      <p:sp>
-        <p:nvSpPr>
-          <p:cNvPr id="24" name="PlaceHolder 3"/>
+            <a:endParaRPr b="0" lang="en-US" sz="3200" spc="-1" strike="noStrike">
+              <a:solidFill>
+                <a:srgbClr val="000000"/>
+              </a:solidFill>
+              <a:uFill>
+                <a:solidFill>
+                  <a:srgbClr val="ffffff"/>
+                </a:solidFill>
+              </a:uFill>
+              <a:latin typeface="Arial"/>
+            </a:endParaRPr>
+          </a:p>
+        </p:txBody>
+      </p:sp>
+      <p:sp>
+        <p:nvSpPr>
+          <p:cNvPr id="21" name="PlaceHolder 3"/>
           <p:cNvSpPr>
             <a:spLocks noGrp="1"/>
           </p:cNvSpPr>
@@ -2889,23 +2909,23 @@
         <p:txBody>
           <a:bodyPr lIns="0" rIns="0" tIns="0" bIns="0"/>
           <a:p>
-            <a:endParaRPr b="0" lang="zh-CN" sz="3200" spc="-1" strike="noStrike">
-              <a:solidFill>
-                <a:srgbClr val="000000"/>
-              </a:solidFill>
-              <a:uFill>
-                <a:solidFill>
-                  <a:srgbClr val="ffffff"/>
-                </a:solidFill>
-              </a:uFill>
-              <a:latin typeface="Calibri"/>
-            </a:endParaRPr>
-          </a:p>
-        </p:txBody>
-      </p:sp>
-      <p:sp>
-        <p:nvSpPr>
-          <p:cNvPr id="25" name="PlaceHolder 4"/>
+            <a:endParaRPr b="0" lang="en-US" sz="3200" spc="-1" strike="noStrike">
+              <a:solidFill>
+                <a:srgbClr val="000000"/>
+              </a:solidFill>
+              <a:uFill>
+                <a:solidFill>
+                  <a:srgbClr val="ffffff"/>
+                </a:solidFill>
+              </a:uFill>
+              <a:latin typeface="Arial"/>
+            </a:endParaRPr>
+          </a:p>
+        </p:txBody>
+      </p:sp>
+      <p:sp>
+        <p:nvSpPr>
+          <p:cNvPr id="22" name="PlaceHolder 4"/>
           <p:cNvSpPr>
             <a:spLocks noGrp="1"/>
           </p:cNvSpPr>
@@ -2925,16 +2945,16 @@
         <p:txBody>
           <a:bodyPr lIns="0" rIns="0" tIns="0" bIns="0"/>
           <a:p>
-            <a:endParaRPr b="0" lang="zh-CN" sz="3200" spc="-1" strike="noStrike">
-              <a:solidFill>
-                <a:srgbClr val="000000"/>
-              </a:solidFill>
-              <a:uFill>
-                <a:solidFill>
-                  <a:srgbClr val="ffffff"/>
-                </a:solidFill>
-              </a:uFill>
-              <a:latin typeface="Calibri"/>
+            <a:endParaRPr b="0" lang="en-US" sz="3200" spc="-1" strike="noStrike">
+              <a:solidFill>
+                <a:srgbClr val="000000"/>
+              </a:solidFill>
+              <a:uFill>
+                <a:solidFill>
+                  <a:srgbClr val="ffffff"/>
+                </a:solidFill>
+              </a:uFill>
+              <a:latin typeface="Arial"/>
             </a:endParaRPr>
           </a:p>
         </p:txBody>
@@ -2980,45 +3000,27 @@
         </p:nvSpPr>
         <p:spPr>
           <a:xfrm>
-            <a:off x="457200" y="274680"/>
-            <a:ext cx="8229240" cy="1142640"/>
+            <a:off x="457200" y="273600"/>
+            <a:ext cx="8228880" cy="1144440"/>
           </a:xfrm>
           <a:prstGeom prst="rect">
             <a:avLst/>
           </a:prstGeom>
         </p:spPr>
         <p:txBody>
-          <a:bodyPr anchor="ctr"/>
-          <a:p>
-            <a:pPr algn="ctr">
-              <a:lnSpc>
-                <a:spcPct val="100000"/>
-              </a:lnSpc>
-            </a:pPr>
-            <a:r>
-              <a:rPr b="0" lang="zh-CN" sz="4400" spc="-1" strike="noStrike">
-                <a:solidFill>
-                  <a:srgbClr val="000000"/>
-                </a:solidFill>
-                <a:uFill>
-                  <a:solidFill>
-                    <a:srgbClr val="ffffff"/>
-                  </a:solidFill>
-                </a:uFill>
-                <a:latin typeface="Calibri"/>
-              </a:rPr>
-              <a:t>单击此处编辑母版标题样式</a:t>
-            </a:r>
-            <a:endParaRPr b="0" lang="zh-CN" sz="1800" spc="-1" strike="noStrike">
-              <a:solidFill>
-                <a:srgbClr val="000000"/>
-              </a:solidFill>
-              <a:uFill>
-                <a:solidFill>
-                  <a:srgbClr val="ffffff"/>
-                </a:solidFill>
-              </a:uFill>
-              <a:latin typeface="Calibri"/>
+          <a:bodyPr lIns="0" rIns="0" tIns="0" bIns="0" anchor="ctr"/>
+          <a:p>
+            <a:pPr algn="ctr"/>
+            <a:endParaRPr b="0" lang="en-US" sz="4400" spc="-1" strike="noStrike">
+              <a:solidFill>
+                <a:srgbClr val="000000"/>
+              </a:solidFill>
+              <a:uFill>
+                <a:solidFill>
+                  <a:srgbClr val="ffffff"/>
+                </a:solidFill>
+              </a:uFill>
+              <a:latin typeface="Arial"/>
             </a:endParaRPr>
           </a:p>
         </p:txBody>
@@ -3026,152 +3028,6 @@
       <p:sp>
         <p:nvSpPr>
           <p:cNvPr id="1" name="PlaceHolder 2"/>
-          <p:cNvSpPr>
-            <a:spLocks noGrp="1"/>
-          </p:cNvSpPr>
-          <p:nvPr>
-            <p:ph type="dt"/>
-          </p:nvPr>
-        </p:nvSpPr>
-        <p:spPr>
-          <a:xfrm>
-            <a:off x="457200" y="6356520"/>
-            <a:ext cx="2133360" cy="364680"/>
-          </a:xfrm>
-          <a:prstGeom prst="rect">
-            <a:avLst/>
-          </a:prstGeom>
-        </p:spPr>
-        <p:txBody>
-          <a:bodyPr anchor="ctr"/>
-          <a:p>
-            <a:pPr>
-              <a:lnSpc>
-                <a:spcPct val="100000"/>
-              </a:lnSpc>
-            </a:pPr>
-            <a:r>
-              <a:rPr b="0" lang="en-US" sz="1200" spc="-1" strike="noStrike">
-                <a:solidFill>
-                  <a:srgbClr val="8b8b8b"/>
-                </a:solidFill>
-                <a:uFill>
-                  <a:solidFill>
-                    <a:srgbClr val="ffffff"/>
-                  </a:solidFill>
-                </a:uFill>
-                <a:latin typeface="Calibri"/>
-              </a:rPr>
-              <a:t>9/25/19</a:t>
-            </a:r>
-            <a:endParaRPr b="0" lang="en-US" sz="1400" spc="-1" strike="noStrike">
-              <a:solidFill>
-                <a:srgbClr val="000000"/>
-              </a:solidFill>
-              <a:uFill>
-                <a:solidFill>
-                  <a:srgbClr val="ffffff"/>
-                </a:solidFill>
-              </a:uFill>
-              <a:latin typeface="Times New Roman"/>
-            </a:endParaRPr>
-          </a:p>
-        </p:txBody>
-      </p:sp>
-      <p:sp>
-        <p:nvSpPr>
-          <p:cNvPr id="2" name="PlaceHolder 3"/>
-          <p:cNvSpPr>
-            <a:spLocks noGrp="1"/>
-          </p:cNvSpPr>
-          <p:nvPr>
-            <p:ph type="ftr"/>
-          </p:nvPr>
-        </p:nvSpPr>
-        <p:spPr>
-          <a:xfrm>
-            <a:off x="3124080" y="6356520"/>
-            <a:ext cx="2895120" cy="364680"/>
-          </a:xfrm>
-          <a:prstGeom prst="rect">
-            <a:avLst/>
-          </a:prstGeom>
-        </p:spPr>
-        <p:txBody>
-          <a:bodyPr anchor="ctr"/>
-          <a:p>
-            <a:endParaRPr b="0" lang="en-US" sz="2400" spc="-1" strike="noStrike">
-              <a:solidFill>
-                <a:srgbClr val="000000"/>
-              </a:solidFill>
-              <a:uFill>
-                <a:solidFill>
-                  <a:srgbClr val="ffffff"/>
-                </a:solidFill>
-              </a:uFill>
-              <a:latin typeface="Times New Roman"/>
-            </a:endParaRPr>
-          </a:p>
-        </p:txBody>
-      </p:sp>
-      <p:sp>
-        <p:nvSpPr>
-          <p:cNvPr id="3" name="PlaceHolder 4"/>
-          <p:cNvSpPr>
-            <a:spLocks noGrp="1"/>
-          </p:cNvSpPr>
-          <p:nvPr>
-            <p:ph type="sldNum"/>
-          </p:nvPr>
-        </p:nvSpPr>
-        <p:spPr>
-          <a:xfrm>
-            <a:off x="6553080" y="6356520"/>
-            <a:ext cx="2133360" cy="364680"/>
-          </a:xfrm>
-          <a:prstGeom prst="rect">
-            <a:avLst/>
-          </a:prstGeom>
-        </p:spPr>
-        <p:txBody>
-          <a:bodyPr anchor="ctr"/>
-          <a:p>
-            <a:pPr algn="r">
-              <a:lnSpc>
-                <a:spcPct val="100000"/>
-              </a:lnSpc>
-            </a:pPr>
-            <a:fld id="{19ABBC7C-DE8F-447A-AED3-0B9A2824EB68}" type="slidenum">
-              <a:rPr b="0" lang="en-US" sz="1200" spc="-1" strike="noStrike">
-                <a:solidFill>
-                  <a:srgbClr val="8b8b8b"/>
-                </a:solidFill>
-                <a:uFill>
-                  <a:solidFill>
-                    <a:srgbClr val="ffffff"/>
-                  </a:solidFill>
-                </a:uFill>
-                <a:latin typeface="Calibri"/>
-              </a:rPr>
-              <a:t>&lt;编号&gt;</a:t>
-            </a:fld>
-            <a:endParaRPr b="0" lang="en-US" sz="1400" spc="-1" strike="noStrike">
-              <a:solidFill>
-                <a:srgbClr val="000000"/>
-              </a:solidFill>
-              <a:uFill>
-                <a:solidFill>
-                  <a:srgbClr val="ffffff"/>
-                </a:solidFill>
-              </a:uFill>
-              <a:latin typeface="Times New Roman"/>
-            </a:endParaRPr>
-          </a:p>
-        </p:txBody>
-      </p:sp>
-      <p:sp>
-        <p:nvSpPr>
-          <p:cNvPr id="4" name="PlaceHolder 5"/>
           <p:cNvSpPr>
             <a:spLocks noGrp="1"/>
           </p:cNvSpPr>
@@ -3200,7 +3056,7 @@
               <a:buChar char=""/>
             </a:pPr>
             <a:r>
-              <a:rPr b="0" lang="zh-CN" sz="3200" spc="-1" strike="noStrike">
+              <a:rPr b="0" lang="en-US" sz="3200" spc="-1" strike="noStrike">
                 <a:solidFill>
                   <a:srgbClr val="000000"/>
                 </a:solidFill>
@@ -3209,20 +3065,20 @@
                     <a:srgbClr val="ffffff"/>
                   </a:solidFill>
                 </a:uFill>
-                <a:latin typeface="Calibri"/>
+                <a:latin typeface="Arial"/>
               </a:rPr>
               <a:t>单击鼠标编辑大纲文字格式</a:t>
             </a:r>
-            <a:endParaRPr b="0" lang="zh-CN" sz="3200" spc="-1" strike="noStrike">
-              <a:solidFill>
-                <a:srgbClr val="000000"/>
-              </a:solidFill>
-              <a:uFill>
-                <a:solidFill>
-                  <a:srgbClr val="ffffff"/>
-                </a:solidFill>
-              </a:uFill>
-              <a:latin typeface="Calibri"/>
+            <a:endParaRPr b="0" lang="en-US" sz="3200" spc="-1" strike="noStrike">
+              <a:solidFill>
+                <a:srgbClr val="000000"/>
+              </a:solidFill>
+              <a:uFill>
+                <a:solidFill>
+                  <a:srgbClr val="ffffff"/>
+                </a:solidFill>
+              </a:uFill>
+              <a:latin typeface="Arial"/>
             </a:endParaRPr>
           </a:p>
           <a:p>
@@ -3235,7 +3091,7 @@
               <a:buChar char=""/>
             </a:pPr>
             <a:r>
-              <a:rPr b="0" lang="zh-CN" sz="2400" spc="-1" strike="noStrike">
+              <a:rPr b="0" lang="en-US" sz="2800" spc="-1" strike="noStrike">
                 <a:solidFill>
                   <a:srgbClr val="000000"/>
                 </a:solidFill>
@@ -3244,20 +3100,20 @@
                     <a:srgbClr val="ffffff"/>
                   </a:solidFill>
                 </a:uFill>
-                <a:latin typeface="Calibri"/>
+                <a:latin typeface="Arial"/>
               </a:rPr>
               <a:t>第二个大纲级</a:t>
             </a:r>
-            <a:endParaRPr b="0" lang="zh-CN" sz="2400" spc="-1" strike="noStrike">
-              <a:solidFill>
-                <a:srgbClr val="000000"/>
-              </a:solidFill>
-              <a:uFill>
-                <a:solidFill>
-                  <a:srgbClr val="ffffff"/>
-                </a:solidFill>
-              </a:uFill>
-              <a:latin typeface="Calibri"/>
+            <a:endParaRPr b="0" lang="en-US" sz="2800" spc="-1" strike="noStrike">
+              <a:solidFill>
+                <a:srgbClr val="000000"/>
+              </a:solidFill>
+              <a:uFill>
+                <a:solidFill>
+                  <a:srgbClr val="ffffff"/>
+                </a:solidFill>
+              </a:uFill>
+              <a:latin typeface="Arial"/>
             </a:endParaRPr>
           </a:p>
           <a:p>
@@ -3270,7 +3126,7 @@
               <a:buChar char=""/>
             </a:pPr>
             <a:r>
-              <a:rPr b="0" lang="zh-CN" sz="2000" spc="-1" strike="noStrike">
+              <a:rPr b="0" lang="en-US" sz="2400" spc="-1" strike="noStrike">
                 <a:solidFill>
                   <a:srgbClr val="000000"/>
                 </a:solidFill>
@@ -3279,20 +3135,20 @@
                     <a:srgbClr val="ffffff"/>
                   </a:solidFill>
                 </a:uFill>
-                <a:latin typeface="Calibri"/>
+                <a:latin typeface="Arial"/>
               </a:rPr>
               <a:t>第三大纲级别</a:t>
             </a:r>
-            <a:endParaRPr b="0" lang="zh-CN" sz="2000" spc="-1" strike="noStrike">
-              <a:solidFill>
-                <a:srgbClr val="000000"/>
-              </a:solidFill>
-              <a:uFill>
-                <a:solidFill>
-                  <a:srgbClr val="ffffff"/>
-                </a:solidFill>
-              </a:uFill>
-              <a:latin typeface="Calibri"/>
+            <a:endParaRPr b="0" lang="en-US" sz="2400" spc="-1" strike="noStrike">
+              <a:solidFill>
+                <a:srgbClr val="000000"/>
+              </a:solidFill>
+              <a:uFill>
+                <a:solidFill>
+                  <a:srgbClr val="ffffff"/>
+                </a:solidFill>
+              </a:uFill>
+              <a:latin typeface="Arial"/>
             </a:endParaRPr>
           </a:p>
           <a:p>
@@ -3305,7 +3161,7 @@
               <a:buChar char=""/>
             </a:pPr>
             <a:r>
-              <a:rPr b="0" lang="zh-CN" sz="2000" spc="-1" strike="noStrike">
+              <a:rPr b="0" lang="en-US" sz="2000" spc="-1" strike="noStrike">
                 <a:solidFill>
                   <a:srgbClr val="000000"/>
                 </a:solidFill>
@@ -3314,20 +3170,20 @@
                     <a:srgbClr val="ffffff"/>
                   </a:solidFill>
                 </a:uFill>
-                <a:latin typeface="Calibri"/>
+                <a:latin typeface="Arial"/>
               </a:rPr>
               <a:t>第四大纲级别</a:t>
             </a:r>
-            <a:endParaRPr b="0" lang="zh-CN" sz="2000" spc="-1" strike="noStrike">
-              <a:solidFill>
-                <a:srgbClr val="000000"/>
-              </a:solidFill>
-              <a:uFill>
-                <a:solidFill>
-                  <a:srgbClr val="ffffff"/>
-                </a:solidFill>
-              </a:uFill>
-              <a:latin typeface="Calibri"/>
+            <a:endParaRPr b="0" lang="en-US" sz="2000" spc="-1" strike="noStrike">
+              <a:solidFill>
+                <a:srgbClr val="000000"/>
+              </a:solidFill>
+              <a:uFill>
+                <a:solidFill>
+                  <a:srgbClr val="ffffff"/>
+                </a:solidFill>
+              </a:uFill>
+              <a:latin typeface="Arial"/>
             </a:endParaRPr>
           </a:p>
           <a:p>
@@ -3340,7 +3196,7 @@
               <a:buChar char=""/>
             </a:pPr>
             <a:r>
-              <a:rPr b="0" lang="zh-CN" sz="2000" spc="-1" strike="noStrike">
+              <a:rPr b="0" lang="en-US" sz="2000" spc="-1" strike="noStrike">
                 <a:solidFill>
                   <a:srgbClr val="000000"/>
                 </a:solidFill>
@@ -3349,20 +3205,20 @@
                     <a:srgbClr val="ffffff"/>
                   </a:solidFill>
                 </a:uFill>
-                <a:latin typeface="Calibri"/>
+                <a:latin typeface="Arial"/>
               </a:rPr>
               <a:t>第五大纲级别</a:t>
             </a:r>
-            <a:endParaRPr b="0" lang="zh-CN" sz="2000" spc="-1" strike="noStrike">
-              <a:solidFill>
-                <a:srgbClr val="000000"/>
-              </a:solidFill>
-              <a:uFill>
-                <a:solidFill>
-                  <a:srgbClr val="ffffff"/>
-                </a:solidFill>
-              </a:uFill>
-              <a:latin typeface="Calibri"/>
+            <a:endParaRPr b="0" lang="en-US" sz="2000" spc="-1" strike="noStrike">
+              <a:solidFill>
+                <a:srgbClr val="000000"/>
+              </a:solidFill>
+              <a:uFill>
+                <a:solidFill>
+                  <a:srgbClr val="ffffff"/>
+                </a:solidFill>
+              </a:uFill>
+              <a:latin typeface="Arial"/>
             </a:endParaRPr>
           </a:p>
           <a:p>
@@ -3375,7 +3231,7 @@
               <a:buChar char=""/>
             </a:pPr>
             <a:r>
-              <a:rPr b="0" lang="zh-CN" sz="2000" spc="-1" strike="noStrike">
+              <a:rPr b="0" lang="en-US" sz="2000" spc="-1" strike="noStrike">
                 <a:solidFill>
                   <a:srgbClr val="000000"/>
                 </a:solidFill>
@@ -3384,20 +3240,20 @@
                     <a:srgbClr val="ffffff"/>
                   </a:solidFill>
                 </a:uFill>
-                <a:latin typeface="Calibri"/>
+                <a:latin typeface="Arial"/>
               </a:rPr>
               <a:t>第六大纲级别</a:t>
             </a:r>
-            <a:endParaRPr b="0" lang="zh-CN" sz="2000" spc="-1" strike="noStrike">
-              <a:solidFill>
-                <a:srgbClr val="000000"/>
-              </a:solidFill>
-              <a:uFill>
-                <a:solidFill>
-                  <a:srgbClr val="ffffff"/>
-                </a:solidFill>
-              </a:uFill>
-              <a:latin typeface="Calibri"/>
+            <a:endParaRPr b="0" lang="en-US" sz="2000" spc="-1" strike="noStrike">
+              <a:solidFill>
+                <a:srgbClr val="000000"/>
+              </a:solidFill>
+              <a:uFill>
+                <a:solidFill>
+                  <a:srgbClr val="ffffff"/>
+                </a:solidFill>
+              </a:uFill>
+              <a:latin typeface="Arial"/>
             </a:endParaRPr>
           </a:p>
           <a:p>
@@ -3410,7 +3266,7 @@
               <a:buChar char=""/>
             </a:pPr>
             <a:r>
-              <a:rPr b="0" lang="zh-CN" sz="2000" spc="-1" strike="noStrike">
+              <a:rPr b="0" lang="en-US" sz="2000" spc="-1" strike="noStrike">
                 <a:solidFill>
                   <a:srgbClr val="000000"/>
                 </a:solidFill>
@@ -3419,20 +3275,20 @@
                     <a:srgbClr val="ffffff"/>
                   </a:solidFill>
                 </a:uFill>
-                <a:latin typeface="Calibri"/>
+                <a:latin typeface="Arial"/>
               </a:rPr>
               <a:t>第七大纲级别</a:t>
             </a:r>
-            <a:endParaRPr b="0" lang="zh-CN" sz="2000" spc="-1" strike="noStrike">
-              <a:solidFill>
-                <a:srgbClr val="000000"/>
-              </a:solidFill>
-              <a:uFill>
-                <a:solidFill>
-                  <a:srgbClr val="ffffff"/>
-                </a:solidFill>
-              </a:uFill>
-              <a:latin typeface="Calibri"/>
+            <a:endParaRPr b="0" lang="en-US" sz="2000" spc="-1" strike="noStrike">
+              <a:solidFill>
+                <a:srgbClr val="000000"/>
+              </a:solidFill>
+              <a:uFill>
+                <a:solidFill>
+                  <a:srgbClr val="ffffff"/>
+                </a:solidFill>
+              </a:uFill>
+              <a:latin typeface="Arial"/>
             </a:endParaRPr>
           </a:p>
         </p:txBody>
@@ -3483,153 +3339,7 @@
       </p:grpSpPr>
       <p:sp>
         <p:nvSpPr>
-          <p:cNvPr id="39" name="PlaceHolder 1"/>
-          <p:cNvSpPr>
-            <a:spLocks noGrp="1"/>
-          </p:cNvSpPr>
-          <p:nvPr>
-            <p:ph type="dt"/>
-          </p:nvPr>
-        </p:nvSpPr>
-        <p:spPr>
-          <a:xfrm>
-            <a:off x="457200" y="6356520"/>
-            <a:ext cx="2133360" cy="364680"/>
-          </a:xfrm>
-          <a:prstGeom prst="rect">
-            <a:avLst/>
-          </a:prstGeom>
-        </p:spPr>
-        <p:txBody>
-          <a:bodyPr anchor="ctr"/>
-          <a:p>
-            <a:pPr>
-              <a:lnSpc>
-                <a:spcPct val="100000"/>
-              </a:lnSpc>
-            </a:pPr>
-            <a:r>
-              <a:rPr b="0" lang="en-US" sz="1200" spc="-1" strike="noStrike">
-                <a:solidFill>
-                  <a:srgbClr val="8b8b8b"/>
-                </a:solidFill>
-                <a:uFill>
-                  <a:solidFill>
-                    <a:srgbClr val="ffffff"/>
-                  </a:solidFill>
-                </a:uFill>
-                <a:latin typeface="Calibri"/>
-              </a:rPr>
-              <a:t>9/25/19</a:t>
-            </a:r>
-            <a:endParaRPr b="0" lang="en-US" sz="1400" spc="-1" strike="noStrike">
-              <a:solidFill>
-                <a:srgbClr val="000000"/>
-              </a:solidFill>
-              <a:uFill>
-                <a:solidFill>
-                  <a:srgbClr val="ffffff"/>
-                </a:solidFill>
-              </a:uFill>
-              <a:latin typeface="Times New Roman"/>
-            </a:endParaRPr>
-          </a:p>
-        </p:txBody>
-      </p:sp>
-      <p:sp>
-        <p:nvSpPr>
-          <p:cNvPr id="40" name="PlaceHolder 2"/>
-          <p:cNvSpPr>
-            <a:spLocks noGrp="1"/>
-          </p:cNvSpPr>
-          <p:nvPr>
-            <p:ph type="ftr"/>
-          </p:nvPr>
-        </p:nvSpPr>
-        <p:spPr>
-          <a:xfrm>
-            <a:off x="3124080" y="6356520"/>
-            <a:ext cx="2895120" cy="364680"/>
-          </a:xfrm>
-          <a:prstGeom prst="rect">
-            <a:avLst/>
-          </a:prstGeom>
-        </p:spPr>
-        <p:txBody>
-          <a:bodyPr anchor="ctr"/>
-          <a:p>
-            <a:endParaRPr b="0" lang="en-US" sz="2400" spc="-1" strike="noStrike">
-              <a:solidFill>
-                <a:srgbClr val="000000"/>
-              </a:solidFill>
-              <a:uFill>
-                <a:solidFill>
-                  <a:srgbClr val="ffffff"/>
-                </a:solidFill>
-              </a:uFill>
-              <a:latin typeface="Times New Roman"/>
-            </a:endParaRPr>
-          </a:p>
-        </p:txBody>
-      </p:sp>
-      <p:sp>
-        <p:nvSpPr>
-          <p:cNvPr id="41" name="PlaceHolder 3"/>
-          <p:cNvSpPr>
-            <a:spLocks noGrp="1"/>
-          </p:cNvSpPr>
-          <p:nvPr>
-            <p:ph type="sldNum"/>
-          </p:nvPr>
-        </p:nvSpPr>
-        <p:spPr>
-          <a:xfrm>
-            <a:off x="6553080" y="6356520"/>
-            <a:ext cx="2133360" cy="364680"/>
-          </a:xfrm>
-          <a:prstGeom prst="rect">
-            <a:avLst/>
-          </a:prstGeom>
-        </p:spPr>
-        <p:txBody>
-          <a:bodyPr anchor="ctr"/>
-          <a:p>
-            <a:pPr algn="r">
-              <a:lnSpc>
-                <a:spcPct val="100000"/>
-              </a:lnSpc>
-            </a:pPr>
-            <a:fld id="{53EFB6EC-9299-461E-B783-F6C34AB77D4D}" type="slidenum">
-              <a:rPr b="0" lang="en-US" sz="1200" spc="-1" strike="noStrike">
-                <a:solidFill>
-                  <a:srgbClr val="8b8b8b"/>
-                </a:solidFill>
-                <a:uFill>
-                  <a:solidFill>
-                    <a:srgbClr val="ffffff"/>
-                  </a:solidFill>
-                </a:uFill>
-                <a:latin typeface="Calibri"/>
-              </a:rPr>
-              <a:t>1</a:t>
-            </a:fld>
-            <a:endParaRPr b="0" lang="en-US" sz="1400" spc="-1" strike="noStrike">
-              <a:solidFill>
-                <a:srgbClr val="000000"/>
-              </a:solidFill>
-              <a:uFill>
-                <a:solidFill>
-                  <a:srgbClr val="ffffff"/>
-                </a:solidFill>
-              </a:uFill>
-              <a:latin typeface="Times New Roman"/>
-            </a:endParaRPr>
-          </a:p>
-        </p:txBody>
-      </p:sp>
-      <p:sp>
-        <p:nvSpPr>
-          <p:cNvPr id="42" name="PlaceHolder 4"/>
+          <p:cNvPr id="36" name="PlaceHolder 1"/>
           <p:cNvSpPr>
             <a:spLocks noGrp="1"/>
           </p:cNvSpPr>
@@ -3649,8 +3359,9 @@
         <p:txBody>
           <a:bodyPr lIns="0" rIns="0" tIns="0" bIns="0" anchor="ctr"/>
           <a:p>
+            <a:pPr algn="ctr"/>
             <a:r>
-              <a:rPr b="0" lang="zh-CN" sz="1800" spc="-1" strike="noStrike">
+              <a:rPr b="0" lang="en-US" sz="4400" spc="-1" strike="noStrike">
                 <a:solidFill>
                   <a:srgbClr val="000000"/>
                 </a:solidFill>
@@ -3659,27 +3370,27 @@
                     <a:srgbClr val="ffffff"/>
                   </a:solidFill>
                 </a:uFill>
-                <a:latin typeface="Calibri"/>
+                <a:latin typeface="Arial"/>
               </a:rPr>
               <a:t>单击鼠标编辑标题文字格式</a:t>
             </a:r>
-            <a:endParaRPr b="0" lang="zh-CN" sz="1800" spc="-1" strike="noStrike">
-              <a:solidFill>
-                <a:srgbClr val="000000"/>
-              </a:solidFill>
-              <a:uFill>
-                <a:solidFill>
-                  <a:srgbClr val="ffffff"/>
-                </a:solidFill>
-              </a:uFill>
-              <a:latin typeface="Calibri"/>
-            </a:endParaRPr>
-          </a:p>
-        </p:txBody>
-      </p:sp>
-      <p:sp>
-        <p:nvSpPr>
-          <p:cNvPr id="43" name="PlaceHolder 5"/>
+            <a:endParaRPr b="0" lang="en-US" sz="4400" spc="-1" strike="noStrike">
+              <a:solidFill>
+                <a:srgbClr val="000000"/>
+              </a:solidFill>
+              <a:uFill>
+                <a:solidFill>
+                  <a:srgbClr val="ffffff"/>
+                </a:solidFill>
+              </a:uFill>
+              <a:latin typeface="Arial"/>
+            </a:endParaRPr>
+          </a:p>
+        </p:txBody>
+      </p:sp>
+      <p:sp>
+        <p:nvSpPr>
+          <p:cNvPr id="37" name="PlaceHolder 2"/>
           <p:cNvSpPr>
             <a:spLocks noGrp="1"/>
           </p:cNvSpPr>
@@ -3708,7 +3419,7 @@
               <a:buChar char=""/>
             </a:pPr>
             <a:r>
-              <a:rPr b="0" lang="zh-CN" sz="3200" spc="-1" strike="noStrike">
+              <a:rPr b="0" lang="en-US" sz="3200" spc="-1" strike="noStrike">
                 <a:solidFill>
                   <a:srgbClr val="000000"/>
                 </a:solidFill>
@@ -3717,20 +3428,20 @@
                     <a:srgbClr val="ffffff"/>
                   </a:solidFill>
                 </a:uFill>
-                <a:latin typeface="Calibri"/>
+                <a:latin typeface="Arial"/>
               </a:rPr>
               <a:t>单击鼠标编辑大纲文字格式</a:t>
             </a:r>
-            <a:endParaRPr b="0" lang="zh-CN" sz="3200" spc="-1" strike="noStrike">
-              <a:solidFill>
-                <a:srgbClr val="000000"/>
-              </a:solidFill>
-              <a:uFill>
-                <a:solidFill>
-                  <a:srgbClr val="ffffff"/>
-                </a:solidFill>
-              </a:uFill>
-              <a:latin typeface="Calibri"/>
+            <a:endParaRPr b="0" lang="en-US" sz="3200" spc="-1" strike="noStrike">
+              <a:solidFill>
+                <a:srgbClr val="000000"/>
+              </a:solidFill>
+              <a:uFill>
+                <a:solidFill>
+                  <a:srgbClr val="ffffff"/>
+                </a:solidFill>
+              </a:uFill>
+              <a:latin typeface="Arial"/>
             </a:endParaRPr>
           </a:p>
           <a:p>
@@ -3743,7 +3454,7 @@
               <a:buChar char=""/>
             </a:pPr>
             <a:r>
-              <a:rPr b="0" lang="zh-CN" sz="2400" spc="-1" strike="noStrike">
+              <a:rPr b="0" lang="en-US" sz="2800" spc="-1" strike="noStrike">
                 <a:solidFill>
                   <a:srgbClr val="000000"/>
                 </a:solidFill>
@@ -3752,20 +3463,20 @@
                     <a:srgbClr val="ffffff"/>
                   </a:solidFill>
                 </a:uFill>
-                <a:latin typeface="Calibri"/>
+                <a:latin typeface="Arial"/>
               </a:rPr>
               <a:t>第二个大纲级</a:t>
             </a:r>
-            <a:endParaRPr b="0" lang="zh-CN" sz="2400" spc="-1" strike="noStrike">
-              <a:solidFill>
-                <a:srgbClr val="000000"/>
-              </a:solidFill>
-              <a:uFill>
-                <a:solidFill>
-                  <a:srgbClr val="ffffff"/>
-                </a:solidFill>
-              </a:uFill>
-              <a:latin typeface="Calibri"/>
+            <a:endParaRPr b="0" lang="en-US" sz="2800" spc="-1" strike="noStrike">
+              <a:solidFill>
+                <a:srgbClr val="000000"/>
+              </a:solidFill>
+              <a:uFill>
+                <a:solidFill>
+                  <a:srgbClr val="ffffff"/>
+                </a:solidFill>
+              </a:uFill>
+              <a:latin typeface="Arial"/>
             </a:endParaRPr>
           </a:p>
           <a:p>
@@ -3778,7 +3489,7 @@
               <a:buChar char=""/>
             </a:pPr>
             <a:r>
-              <a:rPr b="0" lang="zh-CN" sz="2000" spc="-1" strike="noStrike">
+              <a:rPr b="0" lang="en-US" sz="2400" spc="-1" strike="noStrike">
                 <a:solidFill>
                   <a:srgbClr val="000000"/>
                 </a:solidFill>
@@ -3787,20 +3498,20 @@
                     <a:srgbClr val="ffffff"/>
                   </a:solidFill>
                 </a:uFill>
-                <a:latin typeface="Calibri"/>
+                <a:latin typeface="Arial"/>
               </a:rPr>
               <a:t>第三大纲级别</a:t>
             </a:r>
-            <a:endParaRPr b="0" lang="zh-CN" sz="2000" spc="-1" strike="noStrike">
-              <a:solidFill>
-                <a:srgbClr val="000000"/>
-              </a:solidFill>
-              <a:uFill>
-                <a:solidFill>
-                  <a:srgbClr val="ffffff"/>
-                </a:solidFill>
-              </a:uFill>
-              <a:latin typeface="Calibri"/>
+            <a:endParaRPr b="0" lang="en-US" sz="2400" spc="-1" strike="noStrike">
+              <a:solidFill>
+                <a:srgbClr val="000000"/>
+              </a:solidFill>
+              <a:uFill>
+                <a:solidFill>
+                  <a:srgbClr val="ffffff"/>
+                </a:solidFill>
+              </a:uFill>
+              <a:latin typeface="Arial"/>
             </a:endParaRPr>
           </a:p>
           <a:p>
@@ -3813,7 +3524,7 @@
               <a:buChar char=""/>
             </a:pPr>
             <a:r>
-              <a:rPr b="0" lang="zh-CN" sz="2000" spc="-1" strike="noStrike">
+              <a:rPr b="0" lang="en-US" sz="2000" spc="-1" strike="noStrike">
                 <a:solidFill>
                   <a:srgbClr val="000000"/>
                 </a:solidFill>
@@ -3822,20 +3533,20 @@
                     <a:srgbClr val="ffffff"/>
                   </a:solidFill>
                 </a:uFill>
-                <a:latin typeface="Calibri"/>
+                <a:latin typeface="Arial"/>
               </a:rPr>
               <a:t>第四大纲级别</a:t>
             </a:r>
-            <a:endParaRPr b="0" lang="zh-CN" sz="2000" spc="-1" strike="noStrike">
-              <a:solidFill>
-                <a:srgbClr val="000000"/>
-              </a:solidFill>
-              <a:uFill>
-                <a:solidFill>
-                  <a:srgbClr val="ffffff"/>
-                </a:solidFill>
-              </a:uFill>
-              <a:latin typeface="Calibri"/>
+            <a:endParaRPr b="0" lang="en-US" sz="2000" spc="-1" strike="noStrike">
+              <a:solidFill>
+                <a:srgbClr val="000000"/>
+              </a:solidFill>
+              <a:uFill>
+                <a:solidFill>
+                  <a:srgbClr val="ffffff"/>
+                </a:solidFill>
+              </a:uFill>
+              <a:latin typeface="Arial"/>
             </a:endParaRPr>
           </a:p>
           <a:p>
@@ -3848,7 +3559,7 @@
               <a:buChar char=""/>
             </a:pPr>
             <a:r>
-              <a:rPr b="0" lang="zh-CN" sz="2000" spc="-1" strike="noStrike">
+              <a:rPr b="0" lang="en-US" sz="2000" spc="-1" strike="noStrike">
                 <a:solidFill>
                   <a:srgbClr val="000000"/>
                 </a:solidFill>
@@ -3857,20 +3568,20 @@
                     <a:srgbClr val="ffffff"/>
                   </a:solidFill>
                 </a:uFill>
-                <a:latin typeface="Calibri"/>
+                <a:latin typeface="Arial"/>
               </a:rPr>
               <a:t>第五大纲级别</a:t>
             </a:r>
-            <a:endParaRPr b="0" lang="zh-CN" sz="2000" spc="-1" strike="noStrike">
-              <a:solidFill>
-                <a:srgbClr val="000000"/>
-              </a:solidFill>
-              <a:uFill>
-                <a:solidFill>
-                  <a:srgbClr val="ffffff"/>
-                </a:solidFill>
-              </a:uFill>
-              <a:latin typeface="Calibri"/>
+            <a:endParaRPr b="0" lang="en-US" sz="2000" spc="-1" strike="noStrike">
+              <a:solidFill>
+                <a:srgbClr val="000000"/>
+              </a:solidFill>
+              <a:uFill>
+                <a:solidFill>
+                  <a:srgbClr val="ffffff"/>
+                </a:solidFill>
+              </a:uFill>
+              <a:latin typeface="Arial"/>
             </a:endParaRPr>
           </a:p>
           <a:p>
@@ -3883,7 +3594,7 @@
               <a:buChar char=""/>
             </a:pPr>
             <a:r>
-              <a:rPr b="0" lang="zh-CN" sz="2000" spc="-1" strike="noStrike">
+              <a:rPr b="0" lang="en-US" sz="2000" spc="-1" strike="noStrike">
                 <a:solidFill>
                   <a:srgbClr val="000000"/>
                 </a:solidFill>
@@ -3892,20 +3603,20 @@
                     <a:srgbClr val="ffffff"/>
                   </a:solidFill>
                 </a:uFill>
-                <a:latin typeface="Calibri"/>
+                <a:latin typeface="Arial"/>
               </a:rPr>
               <a:t>第六大纲级别</a:t>
             </a:r>
-            <a:endParaRPr b="0" lang="zh-CN" sz="2000" spc="-1" strike="noStrike">
-              <a:solidFill>
-                <a:srgbClr val="000000"/>
-              </a:solidFill>
-              <a:uFill>
-                <a:solidFill>
-                  <a:srgbClr val="ffffff"/>
-                </a:solidFill>
-              </a:uFill>
-              <a:latin typeface="Calibri"/>
+            <a:endParaRPr b="0" lang="en-US" sz="2000" spc="-1" strike="noStrike">
+              <a:solidFill>
+                <a:srgbClr val="000000"/>
+              </a:solidFill>
+              <a:uFill>
+                <a:solidFill>
+                  <a:srgbClr val="ffffff"/>
+                </a:solidFill>
+              </a:uFill>
+              <a:latin typeface="Arial"/>
             </a:endParaRPr>
           </a:p>
           <a:p>
@@ -3918,7 +3629,7 @@
               <a:buChar char=""/>
             </a:pPr>
             <a:r>
-              <a:rPr b="0" lang="zh-CN" sz="2000" spc="-1" strike="noStrike">
+              <a:rPr b="0" lang="en-US" sz="2000" spc="-1" strike="noStrike">
                 <a:solidFill>
                   <a:srgbClr val="000000"/>
                 </a:solidFill>
@@ -3927,20 +3638,20 @@
                     <a:srgbClr val="ffffff"/>
                   </a:solidFill>
                 </a:uFill>
-                <a:latin typeface="Calibri"/>
+                <a:latin typeface="Arial"/>
               </a:rPr>
               <a:t>第七大纲级别</a:t>
             </a:r>
-            <a:endParaRPr b="0" lang="zh-CN" sz="2000" spc="-1" strike="noStrike">
-              <a:solidFill>
-                <a:srgbClr val="000000"/>
-              </a:solidFill>
-              <a:uFill>
-                <a:solidFill>
-                  <a:srgbClr val="ffffff"/>
-                </a:solidFill>
-              </a:uFill>
-              <a:latin typeface="Calibri"/>
+            <a:endParaRPr b="0" lang="en-US" sz="2000" spc="-1" strike="noStrike">
+              <a:solidFill>
+                <a:srgbClr val="000000"/>
+              </a:solidFill>
+              <a:uFill>
+                <a:solidFill>
+                  <a:srgbClr val="ffffff"/>
+                </a:solidFill>
+              </a:uFill>
+              <a:latin typeface="Arial"/>
             </a:endParaRPr>
           </a:p>
         </p:txBody>
@@ -3984,14 +3695,14 @@
       </p:grpSpPr>
       <p:sp>
         <p:nvSpPr>
-          <p:cNvPr id="78" name="CustomShape 1"/>
+          <p:cNvPr id="72" name="CustomShape 1"/>
           <p:cNvSpPr/>
           <p:nvPr/>
         </p:nvSpPr>
         <p:spPr>
           <a:xfrm>
             <a:off x="3780000" y="2061000"/>
-            <a:ext cx="1511640" cy="719640"/>
+            <a:ext cx="1511280" cy="719280"/>
           </a:xfrm>
           <a:prstGeom prst="ellipse">
             <a:avLst/>
@@ -4031,6 +3742,7 @@
                   </a:solidFill>
                 </a:uFill>
                 <a:latin typeface="Calibri"/>
+                <a:ea typeface="DejaVu Sans"/>
               </a:rPr>
               <a:t>Index: 1</a:t>
             </a:r>
@@ -4063,6 +3775,7 @@
                   </a:solidFill>
                 </a:uFill>
                 <a:latin typeface="Calibri"/>
+                <a:ea typeface="DejaVu Sans"/>
               </a:rPr>
               <a:t>Value: 6</a:t>
             </a:r>
@@ -4082,14 +3795,14 @@
       </p:sp>
       <p:sp>
         <p:nvSpPr>
-          <p:cNvPr id="79" name="CustomShape 2"/>
+          <p:cNvPr id="73" name="CustomShape 2"/>
           <p:cNvSpPr/>
           <p:nvPr/>
         </p:nvSpPr>
         <p:spPr>
           <a:xfrm>
             <a:off x="2195640" y="3429000"/>
-            <a:ext cx="1511640" cy="719640"/>
+            <a:ext cx="1511280" cy="719280"/>
           </a:xfrm>
           <a:prstGeom prst="ellipse">
             <a:avLst/>
@@ -4129,6 +3842,7 @@
                   </a:solidFill>
                 </a:uFill>
                 <a:latin typeface="Calibri"/>
+                <a:ea typeface="DejaVu Sans"/>
               </a:rPr>
               <a:t>Index: 2</a:t>
             </a:r>
@@ -4161,6 +3875,7 @@
                   </a:solidFill>
                 </a:uFill>
                 <a:latin typeface="Calibri"/>
+                <a:ea typeface="DejaVu Sans"/>
               </a:rPr>
               <a:t>Value: 4</a:t>
             </a:r>
@@ -4180,14 +3895,14 @@
       </p:sp>
       <p:sp>
         <p:nvSpPr>
-          <p:cNvPr id="80" name="CustomShape 3"/>
+          <p:cNvPr id="74" name="CustomShape 3"/>
           <p:cNvSpPr/>
           <p:nvPr/>
         </p:nvSpPr>
         <p:spPr>
           <a:xfrm>
             <a:off x="5508000" y="3573000"/>
-            <a:ext cx="1511640" cy="719640"/>
+            <a:ext cx="1511280" cy="719280"/>
           </a:xfrm>
           <a:prstGeom prst="ellipse">
             <a:avLst/>
@@ -4227,6 +3942,7 @@
                   </a:solidFill>
                 </a:uFill>
                 <a:latin typeface="Calibri"/>
+                <a:ea typeface="DejaVu Sans"/>
               </a:rPr>
               <a:t>Index: 3</a:t>
             </a:r>
@@ -4259,6 +3975,7 @@
                   </a:solidFill>
                 </a:uFill>
                 <a:latin typeface="Calibri"/>
+                <a:ea typeface="DejaVu Sans"/>
               </a:rPr>
               <a:t>Value: 5</a:t>
             </a:r>
@@ -4278,14 +3995,14 @@
       </p:sp>
       <p:sp>
         <p:nvSpPr>
-          <p:cNvPr id="81" name="CustomShape 4"/>
+          <p:cNvPr id="75" name="CustomShape 4"/>
           <p:cNvSpPr/>
           <p:nvPr/>
         </p:nvSpPr>
         <p:spPr>
           <a:xfrm>
             <a:off x="971640" y="5085360"/>
-            <a:ext cx="1511640" cy="719640"/>
+            <a:ext cx="1511280" cy="719280"/>
           </a:xfrm>
           <a:prstGeom prst="ellipse">
             <a:avLst/>
@@ -4325,6 +4042,7 @@
                   </a:solidFill>
                 </a:uFill>
                 <a:latin typeface="Calibri"/>
+                <a:ea typeface="DejaVu Sans"/>
               </a:rPr>
               <a:t>Index: 4</a:t>
             </a:r>
@@ -4357,6 +4075,7 @@
                   </a:solidFill>
                 </a:uFill>
                 <a:latin typeface="Calibri"/>
+                <a:ea typeface="DejaVu Sans"/>
               </a:rPr>
               <a:t>Value: 1</a:t>
             </a:r>
@@ -4376,14 +4095,14 @@
       </p:sp>
       <p:sp>
         <p:nvSpPr>
-          <p:cNvPr id="82" name="CustomShape 5"/>
+          <p:cNvPr id="76" name="CustomShape 5"/>
           <p:cNvSpPr/>
           <p:nvPr/>
         </p:nvSpPr>
         <p:spPr>
           <a:xfrm>
             <a:off x="2843640" y="5157360"/>
-            <a:ext cx="1511640" cy="719640"/>
+            <a:ext cx="1511280" cy="719280"/>
           </a:xfrm>
           <a:prstGeom prst="ellipse">
             <a:avLst/>
@@ -4423,6 +4142,7 @@
                   </a:solidFill>
                 </a:uFill>
                 <a:latin typeface="Calibri"/>
+                <a:ea typeface="DejaVu Sans"/>
               </a:rPr>
               <a:t>Index: 5</a:t>
             </a:r>
@@ -4455,6 +4175,7 @@
                   </a:solidFill>
                 </a:uFill>
                 <a:latin typeface="Calibri"/>
+                <a:ea typeface="DejaVu Sans"/>
               </a:rPr>
               <a:t>Value: 2</a:t>
             </a:r>
@@ -4474,14 +4195,14 @@
       </p:sp>
       <p:sp>
         <p:nvSpPr>
-          <p:cNvPr id="83" name="CustomShape 6"/>
+          <p:cNvPr id="77" name="CustomShape 6"/>
           <p:cNvSpPr/>
           <p:nvPr/>
         </p:nvSpPr>
         <p:spPr>
           <a:xfrm>
             <a:off x="4788000" y="5013000"/>
-            <a:ext cx="1511640" cy="719640"/>
+            <a:ext cx="1511280" cy="719280"/>
           </a:xfrm>
           <a:prstGeom prst="ellipse">
             <a:avLst/>
@@ -4521,6 +4242,7 @@
                   </a:solidFill>
                 </a:uFill>
                 <a:latin typeface="Calibri"/>
+                <a:ea typeface="DejaVu Sans"/>
               </a:rPr>
               <a:t>Index: 6</a:t>
             </a:r>
@@ -4553,6 +4275,7 @@
                   </a:solidFill>
                 </a:uFill>
                 <a:latin typeface="Calibri"/>
+                <a:ea typeface="DejaVu Sans"/>
               </a:rPr>
               <a:t>Value: 3</a:t>
             </a:r>
@@ -4572,7 +4295,7 @@
       </p:sp>
       <p:sp>
         <p:nvSpPr>
-          <p:cNvPr id="84" name="Line 7"/>
+          <p:cNvPr id="78" name="Line 7"/>
           <p:cNvSpPr/>
           <p:nvPr/>
         </p:nvSpPr>
@@ -4606,7 +4329,7 @@
       </p:sp>
       <p:sp>
         <p:nvSpPr>
-          <p:cNvPr id="85" name="Line 8"/>
+          <p:cNvPr id="79" name="Line 8"/>
           <p:cNvSpPr/>
           <p:nvPr/>
         </p:nvSpPr>
@@ -4640,7 +4363,7 @@
       </p:sp>
       <p:sp>
         <p:nvSpPr>
-          <p:cNvPr id="86" name="Line 9"/>
+          <p:cNvPr id="80" name="Line 9"/>
           <p:cNvSpPr/>
           <p:nvPr/>
         </p:nvSpPr>
@@ -4674,7 +4397,7 @@
       </p:sp>
       <p:sp>
         <p:nvSpPr>
-          <p:cNvPr id="87" name="Line 10"/>
+          <p:cNvPr id="81" name="Line 10"/>
           <p:cNvSpPr/>
           <p:nvPr/>
         </p:nvSpPr>
@@ -4708,7 +4431,7 @@
       </p:sp>
       <p:sp>
         <p:nvSpPr>
-          <p:cNvPr id="88" name="Line 11"/>
+          <p:cNvPr id="82" name="Line 11"/>
           <p:cNvSpPr/>
           <p:nvPr/>
         </p:nvSpPr>
@@ -4742,14 +4465,14 @@
       </p:sp>
       <p:sp>
         <p:nvSpPr>
-          <p:cNvPr id="89" name="TextShape 12"/>
-          <p:cNvSpPr txBox="1"/>
+          <p:cNvPr id="83" name="CustomShape 12"/>
+          <p:cNvSpPr/>
           <p:nvPr/>
         </p:nvSpPr>
         <p:spPr>
           <a:xfrm>
             <a:off x="457200" y="274680"/>
-            <a:ext cx="8229240" cy="1142640"/>
+            <a:ext cx="8228880" cy="1142280"/>
           </a:xfrm>
           <a:prstGeom prst="rect">
             <a:avLst/>
@@ -4759,8 +4482,14 @@
             <a:noFill/>
           </a:ln>
         </p:spPr>
-        <p:txBody>
-          <a:bodyPr anchor="ctr"/>
+        <p:style>
+          <a:lnRef idx="0"/>
+          <a:fillRef idx="0"/>
+          <a:effectRef idx="0"/>
+          <a:fontRef idx="minor"/>
+        </p:style>
+        <p:txBody>
+          <a:bodyPr lIns="90000" rIns="90000" tIns="45000" bIns="45000" anchor="ctr"/>
           <a:p>
             <a:pPr algn="ctr">
               <a:lnSpc>
@@ -4768,7 +4497,7 @@
               </a:lnSpc>
             </a:pPr>
             <a:r>
-              <a:rPr b="0" lang="zh-CN" sz="4400" spc="-1" strike="noStrike">
+              <a:rPr b="0" lang="en-US" sz="4400" spc="-1" strike="noStrike">
                 <a:solidFill>
                   <a:srgbClr val="000000"/>
                 </a:solidFill>
@@ -4781,16 +4510,16 @@
               </a:rPr>
               <a:t>Max Heap</a:t>
             </a:r>
-            <a:endParaRPr b="0" lang="zh-CN" sz="1800" spc="-1" strike="noStrike">
-              <a:solidFill>
-                <a:srgbClr val="000000"/>
-              </a:solidFill>
-              <a:uFill>
-                <a:solidFill>
-                  <a:srgbClr val="ffffff"/>
-                </a:solidFill>
-              </a:uFill>
-              <a:latin typeface="Calibri"/>
+            <a:endParaRPr b="0" lang="en-US" sz="1800" spc="-1" strike="noStrike">
+              <a:solidFill>
+                <a:srgbClr val="000000"/>
+              </a:solidFill>
+              <a:uFill>
+                <a:solidFill>
+                  <a:srgbClr val="ffffff"/>
+                </a:solidFill>
+              </a:uFill>
+              <a:latin typeface="Arial"/>
             </a:endParaRPr>
           </a:p>
         </p:txBody>
@@ -4846,14 +4575,14 @@
       </p:grpSpPr>
       <p:sp>
         <p:nvSpPr>
-          <p:cNvPr id="90" name="CustomShape 1"/>
+          <p:cNvPr id="84" name="CustomShape 1"/>
           <p:cNvSpPr/>
           <p:nvPr/>
         </p:nvSpPr>
         <p:spPr>
           <a:xfrm>
             <a:off x="3780000" y="2061000"/>
-            <a:ext cx="1511640" cy="719640"/>
+            <a:ext cx="1511280" cy="719280"/>
           </a:xfrm>
           <a:prstGeom prst="ellipse">
             <a:avLst/>
@@ -4893,6 +4622,7 @@
                   </a:solidFill>
                 </a:uFill>
                 <a:latin typeface="Calibri"/>
+                <a:ea typeface="DejaVu Sans"/>
               </a:rPr>
               <a:t>6</a:t>
             </a:r>
@@ -4912,14 +4642,14 @@
       </p:sp>
       <p:sp>
         <p:nvSpPr>
-          <p:cNvPr id="91" name="CustomShape 2"/>
+          <p:cNvPr id="85" name="CustomShape 2"/>
           <p:cNvSpPr/>
           <p:nvPr/>
         </p:nvSpPr>
         <p:spPr>
           <a:xfrm>
             <a:off x="2195640" y="3429000"/>
-            <a:ext cx="1511640" cy="719640"/>
+            <a:ext cx="1511280" cy="719280"/>
           </a:xfrm>
           <a:prstGeom prst="ellipse">
             <a:avLst/>
@@ -4959,6 +4689,7 @@
                   </a:solidFill>
                 </a:uFill>
                 <a:latin typeface="Calibri"/>
+                <a:ea typeface="DejaVu Sans"/>
               </a:rPr>
               <a:t>3</a:t>
             </a:r>
@@ -4978,14 +4709,14 @@
       </p:sp>
       <p:sp>
         <p:nvSpPr>
-          <p:cNvPr id="92" name="CustomShape 3"/>
+          <p:cNvPr id="86" name="CustomShape 3"/>
           <p:cNvSpPr/>
           <p:nvPr/>
         </p:nvSpPr>
         <p:spPr>
           <a:xfrm>
             <a:off x="5508000" y="3573000"/>
-            <a:ext cx="1511640" cy="719640"/>
+            <a:ext cx="1511280" cy="719280"/>
           </a:xfrm>
           <a:prstGeom prst="ellipse">
             <a:avLst/>
@@ -5025,6 +4756,7 @@
                   </a:solidFill>
                 </a:uFill>
                 <a:latin typeface="Calibri"/>
+                <a:ea typeface="DejaVu Sans"/>
               </a:rPr>
               <a:t>8</a:t>
             </a:r>
@@ -5044,14 +4776,14 @@
       </p:sp>
       <p:sp>
         <p:nvSpPr>
-          <p:cNvPr id="93" name="CustomShape 4"/>
+          <p:cNvPr id="87" name="CustomShape 4"/>
           <p:cNvSpPr/>
           <p:nvPr/>
         </p:nvSpPr>
         <p:spPr>
           <a:xfrm>
             <a:off x="971640" y="5085360"/>
-            <a:ext cx="1511640" cy="719640"/>
+            <a:ext cx="1511280" cy="719280"/>
           </a:xfrm>
           <a:prstGeom prst="ellipse">
             <a:avLst/>
@@ -5091,6 +4823,7 @@
                   </a:solidFill>
                 </a:uFill>
                 <a:latin typeface="Calibri"/>
+                <a:ea typeface="DejaVu Sans"/>
               </a:rPr>
               <a:t>0</a:t>
             </a:r>
@@ -5110,14 +4843,14 @@
       </p:sp>
       <p:sp>
         <p:nvSpPr>
-          <p:cNvPr id="94" name="CustomShape 5"/>
+          <p:cNvPr id="88" name="CustomShape 5"/>
           <p:cNvSpPr/>
           <p:nvPr/>
         </p:nvSpPr>
         <p:spPr>
           <a:xfrm>
             <a:off x="2843640" y="5157360"/>
-            <a:ext cx="1511640" cy="719640"/>
+            <a:ext cx="1511280" cy="719280"/>
           </a:xfrm>
           <a:prstGeom prst="ellipse">
             <a:avLst/>
@@ -5157,6 +4890,7 @@
                   </a:solidFill>
                 </a:uFill>
                 <a:latin typeface="Calibri"/>
+                <a:ea typeface="DejaVu Sans"/>
               </a:rPr>
               <a:t>4</a:t>
             </a:r>
@@ -5176,14 +4910,14 @@
       </p:sp>
       <p:sp>
         <p:nvSpPr>
-          <p:cNvPr id="95" name="CustomShape 6"/>
+          <p:cNvPr id="89" name="CustomShape 6"/>
           <p:cNvSpPr/>
           <p:nvPr/>
         </p:nvSpPr>
         <p:spPr>
           <a:xfrm>
             <a:off x="4788000" y="5013000"/>
-            <a:ext cx="1511640" cy="719640"/>
+            <a:ext cx="1511280" cy="719280"/>
           </a:xfrm>
           <a:prstGeom prst="ellipse">
             <a:avLst/>
@@ -5223,6 +4957,7 @@
                   </a:solidFill>
                 </a:uFill>
                 <a:latin typeface="Calibri"/>
+                <a:ea typeface="DejaVu Sans"/>
               </a:rPr>
               <a:t>7</a:t>
             </a:r>
@@ -5242,7 +4977,7 @@
       </p:sp>
       <p:sp>
         <p:nvSpPr>
-          <p:cNvPr id="96" name="Line 7"/>
+          <p:cNvPr id="90" name="Line 7"/>
           <p:cNvSpPr/>
           <p:nvPr/>
         </p:nvSpPr>
@@ -5276,7 +5011,7 @@
       </p:sp>
       <p:sp>
         <p:nvSpPr>
-          <p:cNvPr id="97" name="Line 8"/>
+          <p:cNvPr id="91" name="Line 8"/>
           <p:cNvSpPr/>
           <p:nvPr/>
         </p:nvSpPr>
@@ -5310,7 +5045,7 @@
       </p:sp>
       <p:sp>
         <p:nvSpPr>
-          <p:cNvPr id="98" name="Line 9"/>
+          <p:cNvPr id="92" name="Line 9"/>
           <p:cNvSpPr/>
           <p:nvPr/>
         </p:nvSpPr>
@@ -5344,7 +5079,7 @@
       </p:sp>
       <p:sp>
         <p:nvSpPr>
-          <p:cNvPr id="99" name="Line 10"/>
+          <p:cNvPr id="93" name="Line 10"/>
           <p:cNvSpPr/>
           <p:nvPr/>
         </p:nvSpPr>
@@ -5378,7 +5113,7 @@
       </p:sp>
       <p:sp>
         <p:nvSpPr>
-          <p:cNvPr id="100" name="Line 11"/>
+          <p:cNvPr id="94" name="Line 11"/>
           <p:cNvSpPr/>
           <p:nvPr/>
         </p:nvSpPr>
@@ -5412,14 +5147,14 @@
       </p:sp>
       <p:sp>
         <p:nvSpPr>
-          <p:cNvPr id="101" name="TextShape 12"/>
-          <p:cNvSpPr txBox="1"/>
+          <p:cNvPr id="95" name="CustomShape 12"/>
+          <p:cNvSpPr/>
           <p:nvPr/>
         </p:nvSpPr>
         <p:spPr>
           <a:xfrm>
             <a:off x="457200" y="274680"/>
-            <a:ext cx="8229240" cy="1142640"/>
+            <a:ext cx="8228880" cy="1142280"/>
           </a:xfrm>
           <a:prstGeom prst="rect">
             <a:avLst/>
@@ -5429,8 +5164,14 @@
             <a:noFill/>
           </a:ln>
         </p:spPr>
-        <p:txBody>
-          <a:bodyPr anchor="ctr"/>
+        <p:style>
+          <a:lnRef idx="0"/>
+          <a:fillRef idx="0"/>
+          <a:effectRef idx="0"/>
+          <a:fontRef idx="minor"/>
+        </p:style>
+        <p:txBody>
+          <a:bodyPr lIns="90000" rIns="90000" tIns="45000" bIns="45000" anchor="ctr"/>
           <a:p>
             <a:pPr algn="ctr">
               <a:lnSpc>
@@ -5438,7 +5179,7 @@
               </a:lnSpc>
             </a:pPr>
             <a:r>
-              <a:rPr b="0" lang="zh-CN" sz="4400" spc="-1" strike="noStrike">
+              <a:rPr b="0" lang="en-US" sz="4400" spc="-1" strike="noStrike">
                 <a:solidFill>
                   <a:srgbClr val="000000"/>
                 </a:solidFill>
@@ -5451,30 +5192,30 @@
               </a:rPr>
               <a:t>BST</a:t>
             </a:r>
-            <a:endParaRPr b="0" lang="zh-CN" sz="1800" spc="-1" strike="noStrike">
-              <a:solidFill>
-                <a:srgbClr val="000000"/>
-              </a:solidFill>
-              <a:uFill>
-                <a:solidFill>
-                  <a:srgbClr val="ffffff"/>
-                </a:solidFill>
-              </a:uFill>
-              <a:latin typeface="Calibri"/>
-            </a:endParaRPr>
-          </a:p>
-        </p:txBody>
-      </p:sp>
-      <p:sp>
-        <p:nvSpPr>
-          <p:cNvPr id="102" name="CustomShape 13"/>
+            <a:endParaRPr b="0" lang="en-US" sz="1800" spc="-1" strike="noStrike">
+              <a:solidFill>
+                <a:srgbClr val="000000"/>
+              </a:solidFill>
+              <a:uFill>
+                <a:solidFill>
+                  <a:srgbClr val="ffffff"/>
+                </a:solidFill>
+              </a:uFill>
+              <a:latin typeface="Arial"/>
+            </a:endParaRPr>
+          </a:p>
+        </p:txBody>
+      </p:sp>
+      <p:sp>
+        <p:nvSpPr>
+          <p:cNvPr id="96" name="CustomShape 13"/>
           <p:cNvSpPr/>
           <p:nvPr/>
         </p:nvSpPr>
         <p:spPr>
           <a:xfrm>
             <a:off x="6876360" y="5085360"/>
-            <a:ext cx="1511640" cy="719640"/>
+            <a:ext cx="1511280" cy="719280"/>
           </a:xfrm>
           <a:prstGeom prst="ellipse">
             <a:avLst/>
@@ -5514,6 +5255,7 @@
                   </a:solidFill>
                 </a:uFill>
                 <a:latin typeface="Calibri"/>
+                <a:ea typeface="DejaVu Sans"/>
               </a:rPr>
               <a:t>11</a:t>
             </a:r>
@@ -5533,7 +5275,7 @@
       </p:sp>
       <p:sp>
         <p:nvSpPr>
-          <p:cNvPr id="103" name="Line 14"/>
+          <p:cNvPr id="97" name="Line 14"/>
           <p:cNvSpPr/>
           <p:nvPr/>
         </p:nvSpPr>
@@ -5616,14 +5358,14 @@
       </p:grpSpPr>
       <p:sp>
         <p:nvSpPr>
-          <p:cNvPr id="104" name="CustomShape 1"/>
+          <p:cNvPr id="98" name="CustomShape 1"/>
           <p:cNvSpPr/>
           <p:nvPr/>
         </p:nvSpPr>
         <p:spPr>
           <a:xfrm>
             <a:off x="457200" y="274680"/>
-            <a:ext cx="8229240" cy="1142640"/>
+            <a:ext cx="8228880" cy="1142280"/>
           </a:xfrm>
           <a:prstGeom prst="rect">
             <a:avLst/>
@@ -5658,6 +5400,7 @@
                   </a:solidFill>
                 </a:uFill>
                 <a:latin typeface="Calibri"/>
+                <a:ea typeface="DejaVu Sans"/>
               </a:rPr>
               <a:t>KD-Tree</a:t>
             </a:r>
@@ -5677,14 +5420,14 @@
       </p:sp>
       <p:sp>
         <p:nvSpPr>
-          <p:cNvPr id="105" name="CustomShape 2"/>
+          <p:cNvPr id="99" name="CustomShape 2"/>
           <p:cNvSpPr/>
           <p:nvPr/>
         </p:nvSpPr>
         <p:spPr>
           <a:xfrm>
             <a:off x="3780000" y="2061000"/>
-            <a:ext cx="1511640" cy="719640"/>
+            <a:ext cx="1511280" cy="719280"/>
           </a:xfrm>
           <a:prstGeom prst="ellipse">
             <a:avLst/>
@@ -5724,6 +5467,7 @@
                   </a:solidFill>
                 </a:uFill>
                 <a:latin typeface="Calibri"/>
+                <a:ea typeface="DejaVu Sans"/>
               </a:rPr>
               <a:t>[</a:t>
             </a:r>
@@ -5738,6 +5482,7 @@
                   </a:solidFill>
                 </a:uFill>
                 <a:latin typeface="Calibri"/>
+                <a:ea typeface="DejaVu Sans"/>
               </a:rPr>
               <a:t>6</a:t>
             </a:r>
@@ -5752,6 +5497,7 @@
                   </a:solidFill>
                 </a:uFill>
                 <a:latin typeface="Calibri"/>
+                <a:ea typeface="DejaVu Sans"/>
               </a:rPr>
               <a:t>, 2]</a:t>
             </a:r>
@@ -5771,14 +5517,14 @@
       </p:sp>
       <p:sp>
         <p:nvSpPr>
-          <p:cNvPr id="106" name="CustomShape 3"/>
+          <p:cNvPr id="100" name="CustomShape 3"/>
           <p:cNvSpPr/>
           <p:nvPr/>
         </p:nvSpPr>
         <p:spPr>
           <a:xfrm>
             <a:off x="2195640" y="3429000"/>
-            <a:ext cx="1511640" cy="719640"/>
+            <a:ext cx="1511280" cy="719280"/>
           </a:xfrm>
           <a:prstGeom prst="ellipse">
             <a:avLst/>
@@ -5818,6 +5564,7 @@
                   </a:solidFill>
                 </a:uFill>
                 <a:latin typeface="Calibri"/>
+                <a:ea typeface="DejaVu Sans"/>
               </a:rPr>
               <a:t>[3, </a:t>
             </a:r>
@@ -5832,6 +5579,7 @@
                   </a:solidFill>
                 </a:uFill>
                 <a:latin typeface="Calibri"/>
+                <a:ea typeface="DejaVu Sans"/>
               </a:rPr>
               <a:t>5</a:t>
             </a:r>
@@ -5846,6 +5594,7 @@
                   </a:solidFill>
                 </a:uFill>
                 <a:latin typeface="Calibri"/>
+                <a:ea typeface="DejaVu Sans"/>
               </a:rPr>
               <a:t>]</a:t>
             </a:r>
@@ -5865,14 +5614,14 @@
       </p:sp>
       <p:sp>
         <p:nvSpPr>
-          <p:cNvPr id="107" name="CustomShape 4"/>
+          <p:cNvPr id="101" name="CustomShape 4"/>
           <p:cNvSpPr/>
           <p:nvPr/>
         </p:nvSpPr>
         <p:spPr>
           <a:xfrm>
             <a:off x="5508000" y="3573000"/>
-            <a:ext cx="1511640" cy="719640"/>
+            <a:ext cx="1511280" cy="719280"/>
           </a:xfrm>
           <a:prstGeom prst="ellipse">
             <a:avLst/>
@@ -5912,6 +5661,7 @@
                   </a:solidFill>
                 </a:uFill>
                 <a:latin typeface="Calibri"/>
+                <a:ea typeface="DejaVu Sans"/>
               </a:rPr>
               <a:t>[8, </a:t>
             </a:r>
@@ -5926,6 +5676,7 @@
                   </a:solidFill>
                 </a:uFill>
                 <a:latin typeface="Calibri"/>
+                <a:ea typeface="DejaVu Sans"/>
               </a:rPr>
               <a:t>1</a:t>
             </a:r>
@@ -5940,6 +5691,7 @@
                   </a:solidFill>
                 </a:uFill>
                 <a:latin typeface="Calibri"/>
+                <a:ea typeface="DejaVu Sans"/>
               </a:rPr>
               <a:t>]</a:t>
             </a:r>
@@ -5959,14 +5711,14 @@
       </p:sp>
       <p:sp>
         <p:nvSpPr>
-          <p:cNvPr id="108" name="CustomShape 5"/>
+          <p:cNvPr id="102" name="CustomShape 5"/>
           <p:cNvSpPr/>
           <p:nvPr/>
         </p:nvSpPr>
         <p:spPr>
           <a:xfrm>
             <a:off x="971640" y="5085360"/>
-            <a:ext cx="1511640" cy="719640"/>
+            <a:ext cx="1511280" cy="719280"/>
           </a:xfrm>
           <a:prstGeom prst="ellipse">
             <a:avLst/>
@@ -6006,6 +5758,7 @@
                   </a:solidFill>
                 </a:uFill>
                 <a:latin typeface="Calibri"/>
+                <a:ea typeface="DejaVu Sans"/>
               </a:rPr>
               <a:t>[6, 3]</a:t>
             </a:r>
@@ -6025,14 +5778,14 @@
       </p:sp>
       <p:sp>
         <p:nvSpPr>
-          <p:cNvPr id="109" name="CustomShape 6"/>
+          <p:cNvPr id="103" name="CustomShape 6"/>
           <p:cNvSpPr/>
           <p:nvPr/>
         </p:nvSpPr>
         <p:spPr>
           <a:xfrm>
             <a:off x="2843640" y="5157360"/>
-            <a:ext cx="1511640" cy="719640"/>
+            <a:ext cx="1511280" cy="719280"/>
           </a:xfrm>
           <a:prstGeom prst="ellipse">
             <a:avLst/>
@@ -6072,6 +5825,7 @@
                   </a:solidFill>
                 </a:uFill>
                 <a:latin typeface="Calibri"/>
+                <a:ea typeface="DejaVu Sans"/>
               </a:rPr>
               <a:t>[4, 9]</a:t>
             </a:r>
@@ -6091,14 +5845,14 @@
       </p:sp>
       <p:sp>
         <p:nvSpPr>
-          <p:cNvPr id="110" name="CustomShape 7"/>
+          <p:cNvPr id="104" name="CustomShape 7"/>
           <p:cNvSpPr/>
           <p:nvPr/>
         </p:nvSpPr>
         <p:spPr>
           <a:xfrm>
             <a:off x="4788000" y="5013000"/>
-            <a:ext cx="1511640" cy="719640"/>
+            <a:ext cx="1511280" cy="719280"/>
           </a:xfrm>
           <a:prstGeom prst="ellipse">
             <a:avLst/>
@@ -6138,6 +5892,7 @@
                   </a:solidFill>
                 </a:uFill>
                 <a:latin typeface="Calibri"/>
+                <a:ea typeface="DejaVu Sans"/>
               </a:rPr>
               <a:t>[5, 0]</a:t>
             </a:r>
@@ -6157,7 +5912,7 @@
       </p:sp>
       <p:sp>
         <p:nvSpPr>
-          <p:cNvPr id="111" name="Line 8"/>
+          <p:cNvPr id="105" name="Line 8"/>
           <p:cNvSpPr/>
           <p:nvPr/>
         </p:nvSpPr>
@@ -6191,7 +5946,7 @@
       </p:sp>
       <p:sp>
         <p:nvSpPr>
-          <p:cNvPr id="112" name="Line 9"/>
+          <p:cNvPr id="106" name="Line 9"/>
           <p:cNvSpPr/>
           <p:nvPr/>
         </p:nvSpPr>
@@ -6225,7 +5980,7 @@
       </p:sp>
       <p:sp>
         <p:nvSpPr>
-          <p:cNvPr id="113" name="Line 10"/>
+          <p:cNvPr id="107" name="Line 10"/>
           <p:cNvSpPr/>
           <p:nvPr/>
         </p:nvSpPr>
@@ -6259,7 +6014,7 @@
       </p:sp>
       <p:sp>
         <p:nvSpPr>
-          <p:cNvPr id="114" name="Line 11"/>
+          <p:cNvPr id="108" name="Line 11"/>
           <p:cNvSpPr/>
           <p:nvPr/>
         </p:nvSpPr>
@@ -6293,7 +6048,7 @@
       </p:sp>
       <p:sp>
         <p:nvSpPr>
-          <p:cNvPr id="115" name="Line 12"/>
+          <p:cNvPr id="109" name="Line 12"/>
           <p:cNvSpPr/>
           <p:nvPr/>
         </p:nvSpPr>
@@ -6327,14 +6082,14 @@
       </p:sp>
       <p:sp>
         <p:nvSpPr>
-          <p:cNvPr id="116" name="CustomShape 13"/>
+          <p:cNvPr id="110" name="CustomShape 13"/>
           <p:cNvSpPr/>
           <p:nvPr/>
         </p:nvSpPr>
         <p:spPr>
           <a:xfrm>
             <a:off x="6876360" y="5085360"/>
-            <a:ext cx="1511640" cy="719640"/>
+            <a:ext cx="1511280" cy="719280"/>
           </a:xfrm>
           <a:prstGeom prst="ellipse">
             <a:avLst/>
@@ -6374,6 +6129,7 @@
                   </a:solidFill>
                 </a:uFill>
                 <a:latin typeface="Calibri"/>
+                <a:ea typeface="DejaVu Sans"/>
               </a:rPr>
               <a:t>[1, 2]</a:t>
             </a:r>
@@ -6393,7 +6149,7 @@
       </p:sp>
       <p:sp>
         <p:nvSpPr>
-          <p:cNvPr id="117" name="Line 14"/>
+          <p:cNvPr id="111" name="Line 14"/>
           <p:cNvSpPr/>
           <p:nvPr/>
         </p:nvSpPr>
@@ -6476,14 +6232,14 @@
       </p:grpSpPr>
       <p:sp>
         <p:nvSpPr>
-          <p:cNvPr id="118" name="CustomShape 1"/>
+          <p:cNvPr id="112" name="CustomShape 1"/>
           <p:cNvSpPr/>
           <p:nvPr/>
         </p:nvSpPr>
         <p:spPr>
           <a:xfrm>
             <a:off x="457200" y="274680"/>
-            <a:ext cx="8229240" cy="1142640"/>
+            <a:ext cx="8228880" cy="1142280"/>
           </a:xfrm>
           <a:prstGeom prst="rect">
             <a:avLst/>
@@ -6518,6 +6274,7 @@
                   </a:solidFill>
                 </a:uFill>
                 <a:latin typeface="Calibri"/>
+                <a:ea typeface="DejaVu Sans"/>
               </a:rPr>
               <a:t>MLP</a:t>
             </a:r>
@@ -6537,14 +6294,14 @@
       </p:sp>
       <p:sp>
         <p:nvSpPr>
-          <p:cNvPr id="119" name="CustomShape 2"/>
+          <p:cNvPr id="113" name="CustomShape 2"/>
           <p:cNvSpPr/>
           <p:nvPr/>
         </p:nvSpPr>
         <p:spPr>
           <a:xfrm>
             <a:off x="1188000" y="2304000"/>
-            <a:ext cx="864000" cy="864000"/>
+            <a:ext cx="863640" cy="863640"/>
           </a:xfrm>
           <a:prstGeom prst="ellipse">
             <a:avLst/>
@@ -6567,7 +6324,11 @@
         <p:txBody>
           <a:bodyPr wrap="none" lIns="90000" rIns="90000" tIns="45000" bIns="45000" anchor="ctr"/>
           <a:p>
-            <a:pPr algn="ctr"/>
+            <a:pPr algn="ctr">
+              <a:lnSpc>
+                <a:spcPct val="100000"/>
+              </a:lnSpc>
+            </a:pPr>
             <a:r>
               <a:rPr b="0" lang="en-US" sz="1800" spc="-1" strike="noStrike">
                 <a:solidFill>
@@ -6579,6 +6340,7 @@
                   </a:solidFill>
                 </a:uFill>
                 <a:latin typeface="Arial"/>
+                <a:ea typeface="DejaVu Sans"/>
               </a:rPr>
               <a:t>X</a:t>
             </a:r>
@@ -6598,14 +6360,14 @@
       </p:sp>
       <p:sp>
         <p:nvSpPr>
-          <p:cNvPr id="120" name="CustomShape 3"/>
+          <p:cNvPr id="114" name="CustomShape 3"/>
           <p:cNvSpPr/>
           <p:nvPr/>
         </p:nvSpPr>
         <p:spPr>
           <a:xfrm>
             <a:off x="1188000" y="3672000"/>
-            <a:ext cx="864000" cy="864000"/>
+            <a:ext cx="863640" cy="863640"/>
           </a:xfrm>
           <a:prstGeom prst="ellipse">
             <a:avLst/>
@@ -6628,7 +6390,11 @@
         <p:txBody>
           <a:bodyPr wrap="none" lIns="90000" rIns="90000" tIns="45000" bIns="45000" anchor="ctr"/>
           <a:p>
-            <a:pPr algn="ctr"/>
+            <a:pPr algn="ctr">
+              <a:lnSpc>
+                <a:spcPct val="100000"/>
+              </a:lnSpc>
+            </a:pPr>
             <a:r>
               <a:rPr b="0" lang="en-US" sz="1800" spc="-1" strike="noStrike">
                 <a:solidFill>
@@ -6640,6 +6406,7 @@
                   </a:solidFill>
                 </a:uFill>
                 <a:latin typeface="Arial"/>
+                <a:ea typeface="DejaVu Sans"/>
               </a:rPr>
               <a:t>W1</a:t>
             </a:r>
@@ -6659,14 +6426,14 @@
       </p:sp>
       <p:sp>
         <p:nvSpPr>
-          <p:cNvPr id="121" name="CustomShape 4"/>
+          <p:cNvPr id="115" name="CustomShape 4"/>
           <p:cNvSpPr/>
           <p:nvPr/>
         </p:nvSpPr>
         <p:spPr>
           <a:xfrm>
             <a:off x="1188000" y="4968000"/>
-            <a:ext cx="864000" cy="864000"/>
+            <a:ext cx="863640" cy="863640"/>
           </a:xfrm>
           <a:prstGeom prst="ellipse">
             <a:avLst/>
@@ -6689,7 +6456,11 @@
         <p:txBody>
           <a:bodyPr wrap="none" lIns="90000" rIns="90000" tIns="45000" bIns="45000" anchor="ctr"/>
           <a:p>
-            <a:pPr algn="ctr"/>
+            <a:pPr algn="ctr">
+              <a:lnSpc>
+                <a:spcPct val="100000"/>
+              </a:lnSpc>
+            </a:pPr>
             <a:r>
               <a:rPr b="0" lang="en-US" sz="1800" spc="-1" strike="noStrike">
                 <a:solidFill>
@@ -6701,6 +6472,7 @@
                   </a:solidFill>
                 </a:uFill>
                 <a:latin typeface="Arial"/>
+                <a:ea typeface="DejaVu Sans"/>
               </a:rPr>
               <a:t>B1</a:t>
             </a:r>
@@ -6720,14 +6492,14 @@
       </p:sp>
       <p:sp>
         <p:nvSpPr>
-          <p:cNvPr id="122" name="CustomShape 5"/>
+          <p:cNvPr id="116" name="CustomShape 5"/>
           <p:cNvSpPr/>
           <p:nvPr/>
         </p:nvSpPr>
         <p:spPr>
           <a:xfrm>
             <a:off x="2700000" y="3708000"/>
-            <a:ext cx="864000" cy="864000"/>
+            <a:ext cx="863640" cy="863640"/>
           </a:xfrm>
           <a:prstGeom prst="ellipse">
             <a:avLst/>
@@ -6750,7 +6522,11 @@
         <p:txBody>
           <a:bodyPr wrap="none" lIns="90000" rIns="90000" tIns="45000" bIns="45000" anchor="ctr"/>
           <a:p>
-            <a:pPr algn="ctr"/>
+            <a:pPr algn="ctr">
+              <a:lnSpc>
+                <a:spcPct val="100000"/>
+              </a:lnSpc>
+            </a:pPr>
             <a:r>
               <a:rPr b="0" lang="en-US" sz="1800" spc="-1" strike="noStrike">
                 <a:solidFill>
@@ -6762,6 +6538,7 @@
                   </a:solidFill>
                 </a:uFill>
                 <a:latin typeface="Arial"/>
+                <a:ea typeface="DejaVu Sans"/>
               </a:rPr>
               <a:t>Linear1</a:t>
             </a:r>
@@ -6781,14 +6558,14 @@
       </p:sp>
       <p:sp>
         <p:nvSpPr>
-          <p:cNvPr id="123" name="CustomShape 6"/>
+          <p:cNvPr id="117" name="CustomShape 6"/>
           <p:cNvSpPr/>
           <p:nvPr/>
         </p:nvSpPr>
         <p:spPr>
           <a:xfrm>
             <a:off x="4176000" y="2340000"/>
-            <a:ext cx="864000" cy="864000"/>
+            <a:ext cx="863640" cy="863640"/>
           </a:xfrm>
           <a:prstGeom prst="ellipse">
             <a:avLst/>
@@ -6811,7 +6588,11 @@
         <p:txBody>
           <a:bodyPr wrap="none" lIns="90000" rIns="90000" tIns="45000" bIns="45000" anchor="ctr"/>
           <a:p>
-            <a:pPr algn="ctr"/>
+            <a:pPr algn="ctr">
+              <a:lnSpc>
+                <a:spcPct val="100000"/>
+              </a:lnSpc>
+            </a:pPr>
             <a:r>
               <a:rPr b="0" lang="en-US" sz="1800" spc="-1" strike="noStrike">
                 <a:solidFill>
@@ -6823,6 +6604,7 @@
                   </a:solidFill>
                 </a:uFill>
                 <a:latin typeface="Arial"/>
+                <a:ea typeface="DejaVu Sans"/>
               </a:rPr>
               <a:t>Sigmoid</a:t>
             </a:r>
@@ -6842,14 +6624,14 @@
       </p:sp>
       <p:sp>
         <p:nvSpPr>
-          <p:cNvPr id="124" name="CustomShape 7"/>
+          <p:cNvPr id="118" name="CustomShape 7"/>
           <p:cNvSpPr/>
           <p:nvPr/>
         </p:nvSpPr>
         <p:spPr>
           <a:xfrm>
             <a:off x="4176000" y="3708000"/>
-            <a:ext cx="864000" cy="864000"/>
+            <a:ext cx="863640" cy="863640"/>
           </a:xfrm>
           <a:prstGeom prst="ellipse">
             <a:avLst/>
@@ -6872,7 +6654,11 @@
         <p:txBody>
           <a:bodyPr wrap="none" lIns="90000" rIns="90000" tIns="45000" bIns="45000" anchor="ctr"/>
           <a:p>
-            <a:pPr algn="ctr"/>
+            <a:pPr algn="ctr">
+              <a:lnSpc>
+                <a:spcPct val="100000"/>
+              </a:lnSpc>
+            </a:pPr>
             <a:r>
               <a:rPr b="0" lang="en-US" sz="1800" spc="-1" strike="noStrike">
                 <a:solidFill>
@@ -6884,6 +6670,7 @@
                   </a:solidFill>
                 </a:uFill>
                 <a:latin typeface="Arial"/>
+                <a:ea typeface="DejaVu Sans"/>
               </a:rPr>
               <a:t>W2</a:t>
             </a:r>
@@ -6903,14 +6690,14 @@
       </p:sp>
       <p:sp>
         <p:nvSpPr>
-          <p:cNvPr id="125" name="CustomShape 8"/>
+          <p:cNvPr id="119" name="CustomShape 8"/>
           <p:cNvSpPr/>
           <p:nvPr/>
         </p:nvSpPr>
         <p:spPr>
           <a:xfrm>
             <a:off x="4176000" y="5004000"/>
-            <a:ext cx="864000" cy="864000"/>
+            <a:ext cx="863640" cy="863640"/>
           </a:xfrm>
           <a:prstGeom prst="ellipse">
             <a:avLst/>
@@ -6933,7 +6720,11 @@
         <p:txBody>
           <a:bodyPr wrap="none" lIns="90000" rIns="90000" tIns="45000" bIns="45000" anchor="ctr"/>
           <a:p>
-            <a:pPr algn="ctr"/>
+            <a:pPr algn="ctr">
+              <a:lnSpc>
+                <a:spcPct val="100000"/>
+              </a:lnSpc>
+            </a:pPr>
             <a:r>
               <a:rPr b="0" lang="en-US" sz="1800" spc="-1" strike="noStrike">
                 <a:solidFill>
@@ -6945,6 +6736,7 @@
                   </a:solidFill>
                 </a:uFill>
                 <a:latin typeface="Arial"/>
+                <a:ea typeface="DejaVu Sans"/>
               </a:rPr>
               <a:t>B2</a:t>
             </a:r>
@@ -6964,14 +6756,14 @@
       </p:sp>
       <p:sp>
         <p:nvSpPr>
-          <p:cNvPr id="126" name="CustomShape 9"/>
+          <p:cNvPr id="120" name="CustomShape 9"/>
           <p:cNvSpPr/>
           <p:nvPr/>
         </p:nvSpPr>
         <p:spPr>
           <a:xfrm>
             <a:off x="5688000" y="3024000"/>
-            <a:ext cx="864000" cy="864000"/>
+            <a:ext cx="863640" cy="863640"/>
           </a:xfrm>
           <a:prstGeom prst="ellipse">
             <a:avLst/>
@@ -6994,7 +6786,11 @@
         <p:txBody>
           <a:bodyPr wrap="none" lIns="90000" rIns="90000" tIns="45000" bIns="45000" anchor="ctr"/>
           <a:p>
-            <a:pPr algn="ctr"/>
+            <a:pPr algn="ctr">
+              <a:lnSpc>
+                <a:spcPct val="100000"/>
+              </a:lnSpc>
+            </a:pPr>
             <a:r>
               <a:rPr b="0" lang="en-US" sz="1800" spc="-1" strike="noStrike">
                 <a:solidFill>
@@ -7006,6 +6802,7 @@
                   </a:solidFill>
                 </a:uFill>
                 <a:latin typeface="Arial"/>
+                <a:ea typeface="DejaVu Sans"/>
               </a:rPr>
               <a:t>y_pred</a:t>
             </a:r>
@@ -7025,14 +6822,14 @@
       </p:sp>
       <p:sp>
         <p:nvSpPr>
-          <p:cNvPr id="127" name="CustomShape 10"/>
+          <p:cNvPr id="121" name="CustomShape 10"/>
           <p:cNvSpPr/>
           <p:nvPr/>
         </p:nvSpPr>
         <p:spPr>
           <a:xfrm>
             <a:off x="5688000" y="4320000"/>
-            <a:ext cx="864000" cy="864000"/>
+            <a:ext cx="863640" cy="863640"/>
           </a:xfrm>
           <a:prstGeom prst="ellipse">
             <a:avLst/>
@@ -7055,7 +6852,11 @@
         <p:txBody>
           <a:bodyPr wrap="none" lIns="90000" rIns="90000" tIns="45000" bIns="45000" anchor="ctr"/>
           <a:p>
-            <a:pPr algn="ctr"/>
+            <a:pPr algn="ctr">
+              <a:lnSpc>
+                <a:spcPct val="100000"/>
+              </a:lnSpc>
+            </a:pPr>
             <a:r>
               <a:rPr b="0" lang="en-US" sz="1800" spc="-1" strike="noStrike">
                 <a:solidFill>
@@ -7067,6 +6868,7 @@
                   </a:solidFill>
                 </a:uFill>
                 <a:latin typeface="Arial"/>
+                <a:ea typeface="DejaVu Sans"/>
               </a:rPr>
               <a:t>y</a:t>
             </a:r>
@@ -7086,14 +6888,14 @@
       </p:sp>
       <p:sp>
         <p:nvSpPr>
-          <p:cNvPr id="128" name="CustomShape 11"/>
+          <p:cNvPr id="122" name="CustomShape 11"/>
           <p:cNvSpPr/>
           <p:nvPr/>
         </p:nvSpPr>
         <p:spPr>
           <a:xfrm>
             <a:off x="7056000" y="3636000"/>
-            <a:ext cx="864000" cy="864000"/>
+            <a:ext cx="863640" cy="863640"/>
           </a:xfrm>
           <a:prstGeom prst="ellipse">
             <a:avLst/>
@@ -7116,7 +6918,11 @@
         <p:txBody>
           <a:bodyPr wrap="none" lIns="90000" rIns="90000" tIns="45000" bIns="45000" anchor="ctr"/>
           <a:p>
-            <a:pPr algn="ctr"/>
+            <a:pPr algn="ctr">
+              <a:lnSpc>
+                <a:spcPct val="100000"/>
+              </a:lnSpc>
+            </a:pPr>
             <a:r>
               <a:rPr b="0" lang="en-US" sz="1800" spc="-1" strike="noStrike">
                 <a:solidFill>
@@ -7128,6 +6934,7 @@
                   </a:solidFill>
                 </a:uFill>
                 <a:latin typeface="Arial"/>
+                <a:ea typeface="DejaVu Sans"/>
               </a:rPr>
               <a:t>MSE</a:t>
             </a:r>
@@ -7147,7 +6954,7 @@
       </p:sp>
       <p:sp>
         <p:nvSpPr>
-          <p:cNvPr id="129" name="Line 12"/>
+          <p:cNvPr id="123" name="Line 12"/>
           <p:cNvSpPr/>
           <p:nvPr/>
         </p:nvSpPr>
@@ -7175,14 +6982,14 @@
       </p:sp>
       <p:sp>
         <p:nvSpPr>
-          <p:cNvPr id="130" name="Line 13"/>
+          <p:cNvPr id="124" name="Line 13"/>
           <p:cNvSpPr/>
           <p:nvPr/>
         </p:nvSpPr>
         <p:spPr>
           <a:xfrm>
             <a:off x="2052000" y="4140000"/>
-            <a:ext cx="684000" cy="0"/>
+            <a:ext cx="684000" cy="360"/>
           </a:xfrm>
           <a:prstGeom prst="line">
             <a:avLst/>
@@ -7203,7 +7010,7 @@
       </p:sp>
       <p:sp>
         <p:nvSpPr>
-          <p:cNvPr id="131" name="Line 14"/>
+          <p:cNvPr id="125" name="Line 14"/>
           <p:cNvSpPr/>
           <p:nvPr/>
         </p:nvSpPr>
@@ -7231,7 +7038,7 @@
       </p:sp>
       <p:sp>
         <p:nvSpPr>
-          <p:cNvPr id="132" name="Line 15"/>
+          <p:cNvPr id="126" name="Line 15"/>
           <p:cNvSpPr/>
           <p:nvPr/>
         </p:nvSpPr>
@@ -7259,7 +7066,7 @@
       </p:sp>
       <p:sp>
         <p:nvSpPr>
-          <p:cNvPr id="133" name="Line 16"/>
+          <p:cNvPr id="127" name="Line 16"/>
           <p:cNvSpPr/>
           <p:nvPr/>
         </p:nvSpPr>
@@ -7287,7 +7094,7 @@
       </p:sp>
       <p:sp>
         <p:nvSpPr>
-          <p:cNvPr id="134" name="Line 17"/>
+          <p:cNvPr id="128" name="Line 17"/>
           <p:cNvSpPr/>
           <p:nvPr/>
         </p:nvSpPr>
@@ -7315,7 +7122,7 @@
       </p:sp>
       <p:sp>
         <p:nvSpPr>
-          <p:cNvPr id="135" name="Line 18"/>
+          <p:cNvPr id="129" name="Line 18"/>
           <p:cNvSpPr/>
           <p:nvPr/>
         </p:nvSpPr>
@@ -7343,7 +7150,7 @@
       </p:sp>
       <p:sp>
         <p:nvSpPr>
-          <p:cNvPr id="136" name="Line 19"/>
+          <p:cNvPr id="130" name="Line 19"/>
           <p:cNvSpPr/>
           <p:nvPr/>
         </p:nvSpPr>
@@ -7371,7 +7178,7 @@
       </p:sp>
       <p:sp>
         <p:nvSpPr>
-          <p:cNvPr id="137" name="Line 20"/>
+          <p:cNvPr id="131" name="Line 20"/>
           <p:cNvSpPr/>
           <p:nvPr/>
         </p:nvSpPr>
